--- a/Documents/Presentation-1.pptx
+++ b/Documents/Presentation-1.pptx
@@ -6,10 +6,14 @@
   </p:sldMasterIdLst>
   <p:sldIdLst>
     <p:sldId id="256" r:id="rId2"/>
-    <p:sldId id="257" r:id="rId3"/>
-    <p:sldId id="258" r:id="rId4"/>
-    <p:sldId id="260" r:id="rId5"/>
-    <p:sldId id="261" r:id="rId6"/>
+    <p:sldId id="262" r:id="rId3"/>
+    <p:sldId id="263" r:id="rId4"/>
+    <p:sldId id="264" r:id="rId5"/>
+    <p:sldId id="265" r:id="rId6"/>
+    <p:sldId id="267" r:id="rId7"/>
+    <p:sldId id="266" r:id="rId8"/>
+    <p:sldId id="261" r:id="rId9"/>
+    <p:sldId id="268" r:id="rId10"/>
   </p:sldIdLst>
   <p:sldSz cx="12192000" cy="6858000"/>
   <p:notesSz cx="6858000" cy="9144000"/>
@@ -108,6 +112,11 @@
       </a:defRPr>
     </a:lvl9pPr>
   </p:defaultTextStyle>
+  <p:extLst>
+    <p:ext uri="{EFAFB233-063F-42B5-8137-9DF3F51BA10A}">
+      <p15:sldGuideLst xmlns:p15="http://schemas.microsoft.com/office/powerpoint/2012/main"/>
+    </p:ext>
+  </p:extLst>
 </p:presentation>
 </file>
 
@@ -300,7 +309,7 @@
             <a:fld id="{B61BEF0D-F0BB-DE4B-95CE-6DB70DBA9567}" type="datetimeFigureOut">
               <a:rPr lang="en-US" dirty="0"/>
               <a:pPr/>
-              <a:t>2/22/2019</a:t>
+              <a:t>2/23/2019</a:t>
             </a:fld>
             <a:endParaRPr lang="en-US" dirty="0"/>
           </a:p>
@@ -635,7 +644,7 @@
             <a:fld id="{B61BEF0D-F0BB-DE4B-95CE-6DB70DBA9567}" type="datetimeFigureOut">
               <a:rPr lang="en-US" dirty="0"/>
               <a:pPr/>
-              <a:t>2/22/2019</a:t>
+              <a:t>2/23/2019</a:t>
             </a:fld>
             <a:endParaRPr lang="en-US" dirty="0"/>
           </a:p>
@@ -1033,7 +1042,7 @@
             <a:fld id="{B61BEF0D-F0BB-DE4B-95CE-6DB70DBA9567}" type="datetimeFigureOut">
               <a:rPr lang="en-US" dirty="0"/>
               <a:pPr/>
-              <a:t>2/22/2019</a:t>
+              <a:t>2/23/2019</a:t>
             </a:fld>
             <a:endParaRPr lang="en-US" dirty="0"/>
           </a:p>
@@ -1366,7 +1375,7 @@
             <a:fld id="{B61BEF0D-F0BB-DE4B-95CE-6DB70DBA9567}" type="datetimeFigureOut">
               <a:rPr lang="en-US" dirty="0"/>
               <a:pPr/>
-              <a:t>2/22/2019</a:t>
+              <a:t>2/23/2019</a:t>
             </a:fld>
             <a:endParaRPr lang="en-US" dirty="0"/>
           </a:p>
@@ -1683,7 +1692,7 @@
             <a:fld id="{B61BEF0D-F0BB-DE4B-95CE-6DB70DBA9567}" type="datetimeFigureOut">
               <a:rPr lang="en-US" dirty="0"/>
               <a:pPr/>
-              <a:t>2/22/2019</a:t>
+              <a:t>2/23/2019</a:t>
             </a:fld>
             <a:endParaRPr lang="en-US" dirty="0"/>
           </a:p>
@@ -2076,7 +2085,7 @@
             <a:fld id="{B61BEF0D-F0BB-DE4B-95CE-6DB70DBA9567}" type="datetimeFigureOut">
               <a:rPr lang="en-US" dirty="0"/>
               <a:pPr/>
-              <a:t>2/22/2019</a:t>
+              <a:t>2/23/2019</a:t>
             </a:fld>
             <a:endParaRPr lang="en-US" dirty="0"/>
           </a:p>
@@ -2330,7 +2339,7 @@
             <a:fld id="{B61BEF0D-F0BB-DE4B-95CE-6DB70DBA9567}" type="datetimeFigureOut">
               <a:rPr lang="en-US" dirty="0"/>
               <a:pPr/>
-              <a:t>2/22/2019</a:t>
+              <a:t>2/23/2019</a:t>
             </a:fld>
             <a:endParaRPr lang="en-US" dirty="0"/>
           </a:p>
@@ -2589,7 +2598,7 @@
             <a:fld id="{B61BEF0D-F0BB-DE4B-95CE-6DB70DBA9567}" type="datetimeFigureOut">
               <a:rPr lang="en-US" dirty="0"/>
               <a:pPr/>
-              <a:t>2/22/2019</a:t>
+              <a:t>2/23/2019</a:t>
             </a:fld>
             <a:endParaRPr lang="en-US" dirty="0"/>
           </a:p>
@@ -2848,7 +2857,7 @@
             <a:fld id="{B61BEF0D-F0BB-DE4B-95CE-6DB70DBA9567}" type="datetimeFigureOut">
               <a:rPr lang="en-US" dirty="0"/>
               <a:pPr/>
-              <a:t>2/22/2019</a:t>
+              <a:t>2/23/2019</a:t>
             </a:fld>
             <a:endParaRPr lang="en-US" dirty="0"/>
           </a:p>
@@ -3174,7 +3183,7 @@
             <a:fld id="{B61BEF0D-F0BB-DE4B-95CE-6DB70DBA9567}" type="datetimeFigureOut">
               <a:rPr lang="en-US" dirty="0"/>
               <a:pPr/>
-              <a:t>2/22/2019</a:t>
+              <a:t>2/23/2019</a:t>
             </a:fld>
             <a:endParaRPr lang="en-US" dirty="0"/>
           </a:p>
@@ -3494,7 +3503,7 @@
             <a:fld id="{B61BEF0D-F0BB-DE4B-95CE-6DB70DBA9567}" type="datetimeFigureOut">
               <a:rPr lang="en-US" dirty="0"/>
               <a:pPr/>
-              <a:t>2/22/2019</a:t>
+              <a:t>2/23/2019</a:t>
             </a:fld>
             <a:endParaRPr lang="en-US" dirty="0"/>
           </a:p>
@@ -3948,7 +3957,7 @@
             <a:fld id="{B61BEF0D-F0BB-DE4B-95CE-6DB70DBA9567}" type="datetimeFigureOut">
               <a:rPr lang="en-US" dirty="0"/>
               <a:pPr/>
-              <a:t>2/22/2019</a:t>
+              <a:t>2/23/2019</a:t>
             </a:fld>
             <a:endParaRPr lang="en-US" dirty="0"/>
           </a:p>
@@ -4150,7 +4159,7 @@
             <a:fld id="{B61BEF0D-F0BB-DE4B-95CE-6DB70DBA9567}" type="datetimeFigureOut">
               <a:rPr lang="en-US" dirty="0"/>
               <a:pPr/>
-              <a:t>2/22/2019</a:t>
+              <a:t>2/23/2019</a:t>
             </a:fld>
             <a:endParaRPr lang="en-US" dirty="0"/>
           </a:p>
@@ -4324,7 +4333,7 @@
             <a:fld id="{B61BEF0D-F0BB-DE4B-95CE-6DB70DBA9567}" type="datetimeFigureOut">
               <a:rPr lang="en-US" dirty="0"/>
               <a:pPr/>
-              <a:t>2/22/2019</a:t>
+              <a:t>2/23/2019</a:t>
             </a:fld>
             <a:endParaRPr lang="en-US" dirty="0"/>
           </a:p>
@@ -4654,7 +4663,7 @@
             <a:fld id="{B61BEF0D-F0BB-DE4B-95CE-6DB70DBA9567}" type="datetimeFigureOut">
               <a:rPr lang="en-US" dirty="0"/>
               <a:pPr/>
-              <a:t>2/22/2019</a:t>
+              <a:t>2/23/2019</a:t>
             </a:fld>
             <a:endParaRPr lang="en-US" dirty="0"/>
           </a:p>
@@ -4996,7 +5005,7 @@
             <a:fld id="{B61BEF0D-F0BB-DE4B-95CE-6DB70DBA9567}" type="datetimeFigureOut">
               <a:rPr lang="en-US" dirty="0"/>
               <a:pPr/>
-              <a:t>2/22/2019</a:t>
+              <a:t>2/23/2019</a:t>
             </a:fld>
             <a:endParaRPr lang="en-US" dirty="0"/>
           </a:p>
@@ -7047,7 +7056,7 @@
             <a:fld id="{B61BEF0D-F0BB-DE4B-95CE-6DB70DBA9567}" type="datetimeFigureOut">
               <a:rPr lang="en-US" dirty="0"/>
               <a:pPr/>
-              <a:t>2/22/2019</a:t>
+              <a:t>2/23/2019</a:t>
             </a:fld>
             <a:endParaRPr lang="en-US" dirty="0"/>
           </a:p>
@@ -7579,7 +7588,7 @@
         </p:nvSpPr>
         <p:spPr>
           <a:xfrm>
-            <a:off x="2589213" y="2971799"/>
+            <a:off x="2589213" y="2392958"/>
             <a:ext cx="8915399" cy="914402"/>
           </a:xfrm>
         </p:spPr>
@@ -7613,8 +7622,8 @@
         </p:nvSpPr>
         <p:spPr>
           <a:xfrm>
-            <a:off x="2589212" y="4128155"/>
-            <a:ext cx="8915399" cy="1504549"/>
+            <a:off x="2589212" y="3826151"/>
+            <a:ext cx="8915399" cy="1786084"/>
           </a:xfrm>
         </p:spPr>
         <p:txBody>
@@ -7625,7 +7634,7 @@
           <a:p>
             <a:pPr algn="ctr"/>
             <a:r>
-              <a:rPr lang="en-GB" sz="3000" dirty="0"/>
+              <a:rPr lang="en-GB" sz="3500" dirty="0"/>
               <a:t>Using A Behaviour Tree to Control the Behaviours of Artificial Intelligence in a Stealth Environment</a:t>
             </a:r>
           </a:p>
@@ -7666,7 +7675,7 @@
           <p:cNvPr id="2" name="Title 1">
             <a:extLst>
               <a:ext uri="{FF2B5EF4-FFF2-40B4-BE49-F238E27FC236}">
-                <a16:creationId xmlns:a16="http://schemas.microsoft.com/office/drawing/2014/main" id="{0DD7AA53-EBBF-40DD-9FA1-6710DA7628CF}"/>
+                <a16:creationId xmlns:a16="http://schemas.microsoft.com/office/drawing/2014/main" id="{1E61B71D-A0FB-4DC3-AE62-C99143462A81}"/>
               </a:ext>
             </a:extLst>
           </p:cNvPr>
@@ -7677,48 +7686,7 @@
             <p:ph type="title"/>
           </p:nvPr>
         </p:nvSpPr>
-        <p:spPr>
-          <a:xfrm>
-            <a:off x="1828800" y="240062"/>
-            <a:ext cx="9921240" cy="1716754"/>
-          </a:xfrm>
-        </p:spPr>
-        <p:txBody>
-          <a:bodyPr>
-            <a:noAutofit/>
-          </a:bodyPr>
-          <a:lstStyle/>
-          <a:p>
-            <a:pPr algn="ctr"/>
-            <a:r>
-              <a:rPr lang="en-GB" sz="5400" dirty="0"/>
-              <a:t>What I have accomplished thus far?</a:t>
-            </a:r>
-          </a:p>
-        </p:txBody>
-      </p:sp>
-      <p:sp>
-        <p:nvSpPr>
-          <p:cNvPr id="3" name="Content Placeholder 2">
-            <a:extLst>
-              <a:ext uri="{FF2B5EF4-FFF2-40B4-BE49-F238E27FC236}">
-                <a16:creationId xmlns:a16="http://schemas.microsoft.com/office/drawing/2014/main" id="{1286B177-3431-4045-BFEE-C7F7781DA4DB}"/>
-              </a:ext>
-            </a:extLst>
-          </p:cNvPr>
-          <p:cNvSpPr>
-            <a:spLocks noGrp="1"/>
-          </p:cNvSpPr>
-          <p:nvPr>
-            <p:ph idx="1"/>
-          </p:nvPr>
-        </p:nvSpPr>
-        <p:spPr>
-          <a:xfrm>
-            <a:off x="2377440" y="2542032"/>
-            <a:ext cx="9372600" cy="3369190"/>
-          </a:xfrm>
-        </p:spPr>
+        <p:spPr/>
         <p:txBody>
           <a:bodyPr>
             <a:normAutofit/>
@@ -7726,8 +7694,61 @@
           <a:lstStyle/>
           <a:p>
             <a:r>
+              <a:rPr lang="en-GB" sz="4800" dirty="0"/>
+              <a:t>Completed Milestones</a:t>
+            </a:r>
+          </a:p>
+        </p:txBody>
+      </p:sp>
+      <p:sp>
+        <p:nvSpPr>
+          <p:cNvPr id="3" name="Content Placeholder 2">
+            <a:extLst>
+              <a:ext uri="{FF2B5EF4-FFF2-40B4-BE49-F238E27FC236}">
+                <a16:creationId xmlns:a16="http://schemas.microsoft.com/office/drawing/2014/main" id="{5715BA4A-F503-4DE9-8788-637581833211}"/>
+              </a:ext>
+            </a:extLst>
+          </p:cNvPr>
+          <p:cNvSpPr>
+            <a:spLocks noGrp="1"/>
+          </p:cNvSpPr>
+          <p:nvPr>
+            <p:ph idx="1"/>
+          </p:nvPr>
+        </p:nvSpPr>
+        <p:spPr>
+          <a:xfrm>
+            <a:off x="2589212" y="2133600"/>
+            <a:ext cx="8915400" cy="3777622"/>
+          </a:xfrm>
+        </p:spPr>
+        <p:txBody>
+          <a:bodyPr>
+            <a:normAutofit/>
+          </a:bodyPr>
+          <a:lstStyle/>
+          <a:p>
+            <a:r>
               <a:rPr lang="en-GB" sz="3000" dirty="0"/>
-              <a:t>Researched BT design in various games</a:t>
+              <a:t>Research into AI techniques</a:t>
+            </a:r>
+          </a:p>
+          <a:p>
+            <a:r>
+              <a:rPr lang="en-GB" sz="3000" dirty="0"/>
+              <a:t>Research AI in various games</a:t>
+            </a:r>
+          </a:p>
+          <a:p>
+            <a:r>
+              <a:rPr lang="en-GB" sz="3000" dirty="0"/>
+              <a:t>Built Behaviour Tree</a:t>
+            </a:r>
+          </a:p>
+          <a:p>
+            <a:r>
+              <a:rPr lang="en-GB" sz="3000" dirty="0"/>
+              <a:t>Implemented Blackboard</a:t>
             </a:r>
           </a:p>
           <a:p>
@@ -7739,13 +7760,7 @@
           <a:p>
             <a:r>
               <a:rPr lang="en-GB" sz="3000" dirty="0"/>
-              <a:t>Build BT framework</a:t>
-            </a:r>
-          </a:p>
-          <a:p>
-            <a:r>
-              <a:rPr lang="en-GB" sz="3000" dirty="0"/>
-              <a:t>Implemented a blackboard</a:t>
+              <a:t>Implemented some behaviours</a:t>
             </a:r>
           </a:p>
         </p:txBody>
@@ -7753,7 +7768,7 @@
     </p:spTree>
     <p:extLst>
       <p:ext uri="{BB962C8B-B14F-4D97-AF65-F5344CB8AC3E}">
-        <p14:creationId xmlns:p14="http://schemas.microsoft.com/office/powerpoint/2010/main" val="1340294845"/>
+        <p14:creationId xmlns:p14="http://schemas.microsoft.com/office/powerpoint/2010/main" val="828750032"/>
       </p:ext>
     </p:extLst>
   </p:cSld>
@@ -7785,7 +7800,7 @@
           <p:cNvPr id="2" name="Title 1">
             <a:extLst>
               <a:ext uri="{FF2B5EF4-FFF2-40B4-BE49-F238E27FC236}">
-                <a16:creationId xmlns:a16="http://schemas.microsoft.com/office/drawing/2014/main" id="{1EFA1B42-9C6D-47A4-BBD9-07F816672C62}"/>
+                <a16:creationId xmlns:a16="http://schemas.microsoft.com/office/drawing/2014/main" id="{E55D6F54-B32E-4978-A344-F6818760D2ED}"/>
               </a:ext>
             </a:extLst>
           </p:cNvPr>
@@ -7796,22 +7811,16 @@
             <p:ph type="title"/>
           </p:nvPr>
         </p:nvSpPr>
-        <p:spPr>
-          <a:xfrm>
-            <a:off x="1810512" y="624110"/>
-            <a:ext cx="9921239" cy="1280890"/>
-          </a:xfrm>
-        </p:spPr>
+        <p:spPr/>
         <p:txBody>
           <a:bodyPr>
             <a:normAutofit/>
           </a:bodyPr>
           <a:lstStyle/>
           <a:p>
-            <a:pPr algn="ctr"/>
-            <a:r>
-              <a:rPr lang="en-GB" sz="5400" dirty="0"/>
-              <a:t>Remaining Milestones?</a:t>
+            <a:r>
+              <a:rPr lang="en-GB" sz="4800" dirty="0"/>
+              <a:t>Researching AI Techniques</a:t>
             </a:r>
           </a:p>
         </p:txBody>
@@ -7821,7 +7830,7 @@
           <p:cNvPr id="3" name="Content Placeholder 2">
             <a:extLst>
               <a:ext uri="{FF2B5EF4-FFF2-40B4-BE49-F238E27FC236}">
-                <a16:creationId xmlns:a16="http://schemas.microsoft.com/office/drawing/2014/main" id="{5155B500-75C4-4CF1-AC5C-80DF0EA76D40}"/>
+                <a16:creationId xmlns:a16="http://schemas.microsoft.com/office/drawing/2014/main" id="{44002779-28E3-47CA-BF41-6D75ED7E1522}"/>
               </a:ext>
             </a:extLst>
           </p:cNvPr>
@@ -7832,47 +7841,117 @@
             <p:ph idx="1"/>
           </p:nvPr>
         </p:nvSpPr>
-        <p:spPr>
-          <a:xfrm>
-            <a:off x="2395728" y="2133600"/>
-            <a:ext cx="9336022" cy="3777622"/>
-          </a:xfrm>
-        </p:spPr>
+        <p:spPr/>
         <p:txBody>
           <a:bodyPr>
-            <a:normAutofit/>
+            <a:normAutofit fontScale="92500" lnSpcReduction="20000"/>
           </a:bodyPr>
           <a:lstStyle/>
           <a:p>
             <a:r>
-              <a:rPr lang="en-GB" sz="3000" dirty="0"/>
-              <a:t>Breakdown behaviours further</a:t>
-            </a:r>
-          </a:p>
-          <a:p>
-            <a:r>
-              <a:rPr lang="en-GB" sz="3000" dirty="0"/>
-              <a:t>Update blackboard &amp; implement a global blackboard</a:t>
-            </a:r>
-          </a:p>
-          <a:p>
-            <a:r>
-              <a:rPr lang="en-GB" sz="3000" dirty="0"/>
-              <a:t>Agent interactions</a:t>
-            </a:r>
-          </a:p>
-          <a:p>
-            <a:r>
-              <a:rPr lang="en-GB" sz="3000" dirty="0"/>
-              <a:t>Security Cameras</a:t>
-            </a:r>
+              <a:rPr lang="en-US" dirty="0"/>
+              <a:t>Champandard, A. J (2007, September, b). On Finite-State Machines and Reusability. </a:t>
+            </a:r>
+            <a:r>
+              <a:rPr lang="en-US" i="1" dirty="0" err="1"/>
+              <a:t>AiGameDev</a:t>
+            </a:r>
+            <a:r>
+              <a:rPr lang="en-US" dirty="0"/>
+              <a:t>. [online] Available at http://aigamedev.com/open/article/fsm-reusable/ [Accessed 24 Sept. 2018]</a:t>
+            </a:r>
+          </a:p>
+          <a:p>
+            <a:r>
+              <a:rPr lang="en-US" dirty="0"/>
+              <a:t>Buckland, M. (2005). </a:t>
+            </a:r>
+            <a:r>
+              <a:rPr lang="en-US" i="1" dirty="0"/>
+              <a:t>Programming Game AI by Example</a:t>
+            </a:r>
+            <a:r>
+              <a:rPr lang="en-US" dirty="0"/>
+              <a:t>. </a:t>
+            </a:r>
+            <a:r>
+              <a:rPr lang="en-US" dirty="0" err="1"/>
+              <a:t>Wordware</a:t>
+            </a:r>
+            <a:r>
+              <a:rPr lang="en-US" dirty="0"/>
+              <a:t> Pub.</a:t>
+            </a:r>
+          </a:p>
+          <a:p>
+            <a:r>
+              <a:rPr lang="en-US" dirty="0"/>
+              <a:t>A. J Champandard and P. Dunstan. (2014) “Getting Started with Decision Making and Control Systems” in </a:t>
+            </a:r>
+            <a:r>
+              <a:rPr lang="en-US" i="1" dirty="0"/>
+              <a:t>Programming Game AI Wisdom 4</a:t>
+            </a:r>
+            <a:r>
+              <a:rPr lang="en-US" dirty="0"/>
+              <a:t>, edited by Steve Rabin. pp. 257-264</a:t>
+            </a:r>
+          </a:p>
+          <a:p>
+            <a:r>
+              <a:rPr lang="en-US" dirty="0"/>
+              <a:t>Champandard, A. (2007). </a:t>
+            </a:r>
+            <a:r>
+              <a:rPr lang="en-US" i="1" dirty="0"/>
+              <a:t>The Gist of Hierarchical FSM | AiGameDev.com</a:t>
+            </a:r>
+            <a:r>
+              <a:rPr lang="en-US" dirty="0"/>
+              <a:t>. [online] Aigamedev.com. Available at: http://aigamedev.com/open/article/hfsm-gist/ [Accessed 1 Oct. 2018].</a:t>
+            </a:r>
+          </a:p>
+          <a:p>
+            <a:r>
+              <a:rPr lang="it-IT" dirty="0"/>
+              <a:t>Rabin, S. 2013, </a:t>
+            </a:r>
+            <a:r>
+              <a:rPr lang="it-IT" i="1" dirty="0"/>
+              <a:t>Game AI Pro, </a:t>
+            </a:r>
+            <a:r>
+              <a:rPr lang="it-IT" dirty="0"/>
+              <a:t>CRC Press, Boca Raton, Florida.</a:t>
+            </a:r>
+          </a:p>
+          <a:p>
+            <a:r>
+              <a:rPr lang="it-IT" dirty="0"/>
+              <a:t>Rabin, S. 2015, Game AI Pro 2, CRC Press, Boca Raton, Florida.</a:t>
+            </a:r>
+          </a:p>
+          <a:p>
+            <a:r>
+              <a:rPr lang="it-IT" dirty="0"/>
+              <a:t>Rabin, S. </a:t>
+            </a:r>
+            <a:r>
+              <a:rPr lang="it-IT" i="1" dirty="0"/>
+              <a:t>Game AI Pro 3</a:t>
+            </a:r>
+            <a:r>
+              <a:rPr lang="it-IT" dirty="0"/>
+              <a:t>, CRC Press, Boca Raton, Florida.</a:t>
+            </a:r>
+            <a:endParaRPr lang="en-GB" dirty="0"/>
           </a:p>
         </p:txBody>
       </p:sp>
     </p:spTree>
     <p:extLst>
       <p:ext uri="{BB962C8B-B14F-4D97-AF65-F5344CB8AC3E}">
-        <p14:creationId xmlns:p14="http://schemas.microsoft.com/office/powerpoint/2010/main" val="226877319"/>
+        <p14:creationId xmlns:p14="http://schemas.microsoft.com/office/powerpoint/2010/main" val="1407440325"/>
       </p:ext>
     </p:extLst>
   </p:cSld>
@@ -7904,7 +7983,7 @@
           <p:cNvPr id="2" name="Title 1">
             <a:extLst>
               <a:ext uri="{FF2B5EF4-FFF2-40B4-BE49-F238E27FC236}">
-                <a16:creationId xmlns:a16="http://schemas.microsoft.com/office/drawing/2014/main" id="{92BC5E2D-7D98-4729-B3FB-185ACBB08E01}"/>
+                <a16:creationId xmlns:a16="http://schemas.microsoft.com/office/drawing/2014/main" id="{FE44E6E0-F226-4699-9DC6-F0030B2DE044}"/>
               </a:ext>
             </a:extLst>
           </p:cNvPr>
@@ -7922,10 +8001,9 @@
           </a:bodyPr>
           <a:lstStyle/>
           <a:p>
-            <a:pPr algn="ctr"/>
-            <a:r>
-              <a:rPr lang="en-GB" sz="5400" dirty="0"/>
-              <a:t>Project Setbacks</a:t>
+            <a:r>
+              <a:rPr lang="en-GB" sz="4800" dirty="0"/>
+              <a:t>Behaviour Tree</a:t>
             </a:r>
           </a:p>
         </p:txBody>
@@ -7935,7 +8013,7 @@
           <p:cNvPr id="3" name="Content Placeholder 2">
             <a:extLst>
               <a:ext uri="{FF2B5EF4-FFF2-40B4-BE49-F238E27FC236}">
-                <a16:creationId xmlns:a16="http://schemas.microsoft.com/office/drawing/2014/main" id="{901D9D61-5A53-43EA-875D-A5A48094EAB5}"/>
+                <a16:creationId xmlns:a16="http://schemas.microsoft.com/office/drawing/2014/main" id="{7E334C61-4A65-462C-8E55-B082C8D0DF8D}"/>
               </a:ext>
             </a:extLst>
           </p:cNvPr>
@@ -7946,48 +8024,65 @@
             <p:ph idx="1"/>
           </p:nvPr>
         </p:nvSpPr>
-        <p:spPr>
-          <a:xfrm>
-            <a:off x="2395728" y="2051304"/>
-            <a:ext cx="9108884" cy="3777622"/>
-          </a:xfrm>
-        </p:spPr>
-        <p:txBody>
-          <a:bodyPr/>
+        <p:spPr/>
+        <p:txBody>
+          <a:bodyPr>
+            <a:normAutofit/>
+          </a:bodyPr>
           <a:lstStyle/>
           <a:p>
             <a:r>
               <a:rPr lang="en-GB" sz="3000" dirty="0"/>
-              <a:t>BT was not working as intended</a:t>
+              <a:t>Sequence Nodes</a:t>
             </a:r>
           </a:p>
           <a:p>
             <a:r>
               <a:rPr lang="en-GB" sz="3000" dirty="0"/>
-              <a:t>Design Masterclass</a:t>
+              <a:t>Selector Nodes</a:t>
             </a:r>
           </a:p>
           <a:p>
             <a:r>
               <a:rPr lang="en-GB" sz="3000" dirty="0"/>
-              <a:t>Personal Issues</a:t>
-            </a:r>
-          </a:p>
-          <a:p>
-            <a:r>
-              <a:rPr lang="en-GB" sz="3000" dirty="0"/>
-              <a:t>Two weeks behind milestones</a:t>
-            </a:r>
-          </a:p>
-          <a:p>
-            <a:endParaRPr lang="en-GB" dirty="0"/>
+              <a:t>Leaf Nodes</a:t>
+            </a:r>
+          </a:p>
+          <a:p>
+            <a:r>
+              <a:rPr lang="en-US" sz="1400" dirty="0"/>
+              <a:t>Champandard, A. (2007). </a:t>
+            </a:r>
+            <a:r>
+              <a:rPr lang="en-US" sz="1400" i="1" dirty="0"/>
+              <a:t>The Power of Sequences for Hierarchical Behaviors | AiGameDev.com</a:t>
+            </a:r>
+            <a:r>
+              <a:rPr lang="en-US" sz="1400" dirty="0"/>
+              <a:t>. [online] Aigamedev.com. Available at: http://aigamedev.com/open/article/sequence/ [Accessed 5 Oct. 2018].</a:t>
+            </a:r>
+          </a:p>
+          <a:p>
+            <a:r>
+              <a:rPr lang="en-US" sz="1500" dirty="0"/>
+              <a:t>Champandard, A. (2007). </a:t>
+            </a:r>
+            <a:r>
+              <a:rPr lang="en-US" sz="1500" i="1" dirty="0"/>
+              <a:t>The Flexibility of Selectors for Hierarchical Logic | AiGameDev.com</a:t>
+            </a:r>
+            <a:r>
+              <a:rPr lang="en-US" sz="1500" dirty="0"/>
+              <a:t>. [online] Aigamedev.com. Available at: http://aigamedev.com/open/article/selector/ [Accessed 5 Oct. 2018].</a:t>
+            </a:r>
+            <a:endParaRPr lang="en-GB" sz="1500" dirty="0"/>
           </a:p>
         </p:txBody>
       </p:sp>
     </p:spTree>
     <p:extLst>
       <p:ext uri="{BB962C8B-B14F-4D97-AF65-F5344CB8AC3E}">
-        <p14:creationId xmlns:p14="http://schemas.microsoft.com/office/powerpoint/2010/main" val="2954769965"/>
+        <p14:creationId xmlns:p14="http://schemas.microsoft.com/office/powerpoint/2010/main" val="2239154983"/>
       </p:ext>
     </p:extLst>
   </p:cSld>
@@ -8019,6 +8114,347 @@
           <p:cNvPr id="2" name="Title 1">
             <a:extLst>
               <a:ext uri="{FF2B5EF4-FFF2-40B4-BE49-F238E27FC236}">
+                <a16:creationId xmlns:a16="http://schemas.microsoft.com/office/drawing/2014/main" id="{20AFA104-1729-4F44-B81D-0B5130B9D299}"/>
+              </a:ext>
+            </a:extLst>
+          </p:cNvPr>
+          <p:cNvSpPr>
+            <a:spLocks noGrp="1"/>
+          </p:cNvSpPr>
+          <p:nvPr>
+            <p:ph type="title"/>
+          </p:nvPr>
+        </p:nvSpPr>
+        <p:spPr/>
+        <p:txBody>
+          <a:bodyPr>
+            <a:normAutofit/>
+          </a:bodyPr>
+          <a:lstStyle/>
+          <a:p>
+            <a:r>
+              <a:rPr lang="en-GB" sz="4800" dirty="0"/>
+              <a:t>Where the Project is at</a:t>
+            </a:r>
+          </a:p>
+        </p:txBody>
+      </p:sp>
+      <p:sp>
+        <p:nvSpPr>
+          <p:cNvPr id="3" name="Content Placeholder 2">
+            <a:extLst>
+              <a:ext uri="{FF2B5EF4-FFF2-40B4-BE49-F238E27FC236}">
+                <a16:creationId xmlns:a16="http://schemas.microsoft.com/office/drawing/2014/main" id="{595C921E-92E5-46BC-8188-8D6E34565C23}"/>
+              </a:ext>
+            </a:extLst>
+          </p:cNvPr>
+          <p:cNvSpPr>
+            <a:spLocks noGrp="1"/>
+          </p:cNvSpPr>
+          <p:nvPr>
+            <p:ph idx="1"/>
+          </p:nvPr>
+        </p:nvSpPr>
+        <p:spPr/>
+        <p:txBody>
+          <a:bodyPr>
+            <a:normAutofit/>
+          </a:bodyPr>
+          <a:lstStyle/>
+          <a:p>
+            <a:r>
+              <a:rPr lang="en-GB" sz="3000" dirty="0"/>
+              <a:t>Agents patrol around predefined areas</a:t>
+            </a:r>
+          </a:p>
+          <a:p>
+            <a:r>
+              <a:rPr lang="en-GB" sz="3000" dirty="0"/>
+              <a:t>Agents can seek the player if seen</a:t>
+            </a:r>
+          </a:p>
+          <a:p>
+            <a:r>
+              <a:rPr lang="en-GB" sz="3000" dirty="0"/>
+              <a:t>Behaviour Tree functioning as intended</a:t>
+            </a:r>
+          </a:p>
+          <a:p>
+            <a:endParaRPr lang="en-GB" sz="3000" dirty="0"/>
+          </a:p>
+        </p:txBody>
+      </p:sp>
+    </p:spTree>
+    <p:extLst>
+      <p:ext uri="{BB962C8B-B14F-4D97-AF65-F5344CB8AC3E}">
+        <p14:creationId xmlns:p14="http://schemas.microsoft.com/office/powerpoint/2010/main" val="2687403377"/>
+      </p:ext>
+    </p:extLst>
+  </p:cSld>
+  <p:clrMapOvr>
+    <a:masterClrMapping/>
+  </p:clrMapOvr>
+</p:sld>
+</file>
+
+<file path=ppt/slides/slide6.xml><?xml version="1.0" encoding="utf-8"?>
+<p:sld xmlns:a="http://schemas.openxmlformats.org/drawingml/2006/main" xmlns:r="http://schemas.openxmlformats.org/officeDocument/2006/relationships" xmlns:p="http://schemas.openxmlformats.org/presentationml/2006/main">
+  <p:cSld>
+    <p:spTree>
+      <p:nvGrpSpPr>
+        <p:cNvPr id="1" name=""/>
+        <p:cNvGrpSpPr/>
+        <p:nvPr/>
+      </p:nvGrpSpPr>
+      <p:grpSpPr>
+        <a:xfrm>
+          <a:off x="0" y="0"/>
+          <a:ext cx="0" cy="0"/>
+          <a:chOff x="0" y="0"/>
+          <a:chExt cx="0" cy="0"/>
+        </a:xfrm>
+      </p:grpSpPr>
+      <p:sp>
+        <p:nvSpPr>
+          <p:cNvPr id="2" name="Title 1">
+            <a:extLst>
+              <a:ext uri="{FF2B5EF4-FFF2-40B4-BE49-F238E27FC236}">
+                <a16:creationId xmlns:a16="http://schemas.microsoft.com/office/drawing/2014/main" id="{E6BCCE87-4FEE-4D8C-866B-1BD8BF7D4F96}"/>
+              </a:ext>
+            </a:extLst>
+          </p:cNvPr>
+          <p:cNvSpPr>
+            <a:spLocks noGrp="1"/>
+          </p:cNvSpPr>
+          <p:nvPr>
+            <p:ph type="title"/>
+          </p:nvPr>
+        </p:nvSpPr>
+        <p:spPr/>
+        <p:txBody>
+          <a:bodyPr>
+            <a:normAutofit/>
+          </a:bodyPr>
+          <a:lstStyle/>
+          <a:p>
+            <a:r>
+              <a:rPr lang="en-GB" sz="4800" dirty="0"/>
+              <a:t>Issues and Setbacks</a:t>
+            </a:r>
+          </a:p>
+        </p:txBody>
+      </p:sp>
+      <p:sp>
+        <p:nvSpPr>
+          <p:cNvPr id="3" name="Content Placeholder 2">
+            <a:extLst>
+              <a:ext uri="{FF2B5EF4-FFF2-40B4-BE49-F238E27FC236}">
+                <a16:creationId xmlns:a16="http://schemas.microsoft.com/office/drawing/2014/main" id="{E3DCD44A-DE3F-45D8-ABD5-1CD1C99E3426}"/>
+              </a:ext>
+            </a:extLst>
+          </p:cNvPr>
+          <p:cNvSpPr>
+            <a:spLocks noGrp="1"/>
+          </p:cNvSpPr>
+          <p:nvPr>
+            <p:ph idx="1"/>
+          </p:nvPr>
+        </p:nvSpPr>
+        <p:spPr/>
+        <p:txBody>
+          <a:bodyPr>
+            <a:normAutofit/>
+          </a:bodyPr>
+          <a:lstStyle/>
+          <a:p>
+            <a:r>
+              <a:rPr lang="en-GB" sz="3000" dirty="0"/>
+              <a:t>Line of Sight </a:t>
+            </a:r>
+            <a:r>
+              <a:rPr lang="en-GB" sz="3000" dirty="0" err="1"/>
+              <a:t>Raycast</a:t>
+            </a:r>
+            <a:endParaRPr lang="en-GB" sz="3000" dirty="0"/>
+          </a:p>
+          <a:p>
+            <a:r>
+              <a:rPr lang="en-GB" sz="3000" dirty="0"/>
+              <a:t>Behaviour Tree not resetting children</a:t>
+            </a:r>
+          </a:p>
+          <a:p>
+            <a:r>
+              <a:rPr lang="en-GB" sz="3000" dirty="0"/>
+              <a:t>Personal Issues</a:t>
+            </a:r>
+          </a:p>
+          <a:p>
+            <a:r>
+              <a:rPr lang="en-GB" sz="3000" dirty="0"/>
+              <a:t>Design Masterclass</a:t>
+            </a:r>
+          </a:p>
+          <a:p>
+            <a:r>
+              <a:rPr lang="en-GB" sz="3000" dirty="0"/>
+              <a:t>Some research made redundant</a:t>
+            </a:r>
+          </a:p>
+          <a:p>
+            <a:r>
+              <a:rPr lang="en-GB" sz="3000" dirty="0"/>
+              <a:t>Two weeks behind milestones</a:t>
+            </a:r>
+          </a:p>
+        </p:txBody>
+      </p:sp>
+    </p:spTree>
+    <p:extLst>
+      <p:ext uri="{BB962C8B-B14F-4D97-AF65-F5344CB8AC3E}">
+        <p14:creationId xmlns:p14="http://schemas.microsoft.com/office/powerpoint/2010/main" val="4133078982"/>
+      </p:ext>
+    </p:extLst>
+  </p:cSld>
+  <p:clrMapOvr>
+    <a:masterClrMapping/>
+  </p:clrMapOvr>
+</p:sld>
+</file>
+
+<file path=ppt/slides/slide7.xml><?xml version="1.0" encoding="utf-8"?>
+<p:sld xmlns:a="http://schemas.openxmlformats.org/drawingml/2006/main" xmlns:r="http://schemas.openxmlformats.org/officeDocument/2006/relationships" xmlns:p="http://schemas.openxmlformats.org/presentationml/2006/main">
+  <p:cSld>
+    <p:spTree>
+      <p:nvGrpSpPr>
+        <p:cNvPr id="1" name=""/>
+        <p:cNvGrpSpPr/>
+        <p:nvPr/>
+      </p:nvGrpSpPr>
+      <p:grpSpPr>
+        <a:xfrm>
+          <a:off x="0" y="0"/>
+          <a:ext cx="0" cy="0"/>
+          <a:chOff x="0" y="0"/>
+          <a:chExt cx="0" cy="0"/>
+        </a:xfrm>
+      </p:grpSpPr>
+      <p:sp>
+        <p:nvSpPr>
+          <p:cNvPr id="2" name="Title 1">
+            <a:extLst>
+              <a:ext uri="{FF2B5EF4-FFF2-40B4-BE49-F238E27FC236}">
+                <a16:creationId xmlns:a16="http://schemas.microsoft.com/office/drawing/2014/main" id="{33D5C16E-6490-4BFD-970F-77B51079811A}"/>
+              </a:ext>
+            </a:extLst>
+          </p:cNvPr>
+          <p:cNvSpPr>
+            <a:spLocks noGrp="1"/>
+          </p:cNvSpPr>
+          <p:nvPr>
+            <p:ph type="title"/>
+          </p:nvPr>
+        </p:nvSpPr>
+        <p:spPr/>
+        <p:txBody>
+          <a:bodyPr>
+            <a:normAutofit/>
+          </a:bodyPr>
+          <a:lstStyle/>
+          <a:p>
+            <a:r>
+              <a:rPr lang="en-GB" sz="4800" dirty="0"/>
+              <a:t>Remaining Milestones</a:t>
+            </a:r>
+          </a:p>
+        </p:txBody>
+      </p:sp>
+      <p:sp>
+        <p:nvSpPr>
+          <p:cNvPr id="3" name="Content Placeholder 2">
+            <a:extLst>
+              <a:ext uri="{FF2B5EF4-FFF2-40B4-BE49-F238E27FC236}">
+                <a16:creationId xmlns:a16="http://schemas.microsoft.com/office/drawing/2014/main" id="{C4015FA5-A37A-4478-B78F-AF158F5402BA}"/>
+              </a:ext>
+            </a:extLst>
+          </p:cNvPr>
+          <p:cNvSpPr>
+            <a:spLocks noGrp="1"/>
+          </p:cNvSpPr>
+          <p:nvPr>
+            <p:ph idx="1"/>
+          </p:nvPr>
+        </p:nvSpPr>
+        <p:spPr/>
+        <p:txBody>
+          <a:bodyPr>
+            <a:normAutofit/>
+          </a:bodyPr>
+          <a:lstStyle/>
+          <a:p>
+            <a:r>
+              <a:rPr lang="en-GB" sz="3000" dirty="0"/>
+              <a:t>Breakdown behaviours further</a:t>
+            </a:r>
+          </a:p>
+          <a:p>
+            <a:r>
+              <a:rPr lang="en-GB" sz="3000" dirty="0"/>
+              <a:t>Update blackboard &amp; implement a global blackboard</a:t>
+            </a:r>
+          </a:p>
+          <a:p>
+            <a:r>
+              <a:rPr lang="en-GB" sz="3000" dirty="0"/>
+              <a:t>Agent interactions</a:t>
+            </a:r>
+          </a:p>
+          <a:p>
+            <a:r>
+              <a:rPr lang="en-GB" sz="3000" dirty="0"/>
+              <a:t>Security Cameras</a:t>
+            </a:r>
+          </a:p>
+          <a:p>
+            <a:endParaRPr lang="en-GB" sz="3000" dirty="0"/>
+          </a:p>
+        </p:txBody>
+      </p:sp>
+    </p:spTree>
+    <p:extLst>
+      <p:ext uri="{BB962C8B-B14F-4D97-AF65-F5344CB8AC3E}">
+        <p14:creationId xmlns:p14="http://schemas.microsoft.com/office/powerpoint/2010/main" val="3118479508"/>
+      </p:ext>
+    </p:extLst>
+  </p:cSld>
+  <p:clrMapOvr>
+    <a:masterClrMapping/>
+  </p:clrMapOvr>
+</p:sld>
+</file>
+
+<file path=ppt/slides/slide8.xml><?xml version="1.0" encoding="utf-8"?>
+<p:sld xmlns:a="http://schemas.openxmlformats.org/drawingml/2006/main" xmlns:r="http://schemas.openxmlformats.org/officeDocument/2006/relationships" xmlns:p="http://schemas.openxmlformats.org/presentationml/2006/main">
+  <p:cSld>
+    <p:spTree>
+      <p:nvGrpSpPr>
+        <p:cNvPr id="1" name=""/>
+        <p:cNvGrpSpPr/>
+        <p:nvPr/>
+      </p:nvGrpSpPr>
+      <p:grpSpPr>
+        <a:xfrm>
+          <a:off x="0" y="0"/>
+          <a:ext cx="0" cy="0"/>
+          <a:chOff x="0" y="0"/>
+          <a:chExt cx="0" cy="0"/>
+        </a:xfrm>
+      </p:grpSpPr>
+      <p:sp>
+        <p:nvSpPr>
+          <p:cNvPr id="2" name="Title 1">
+            <a:extLst>
+              <a:ext uri="{FF2B5EF4-FFF2-40B4-BE49-F238E27FC236}">
                 <a16:creationId xmlns:a16="http://schemas.microsoft.com/office/drawing/2014/main" id="{1B5EEF1B-F439-4C4A-AC86-53C7781FE548}"/>
               </a:ext>
             </a:extLst>
@@ -8040,7 +8476,7 @@
             <a:pPr algn="ctr"/>
             <a:r>
               <a:rPr lang="en-GB" sz="5400" dirty="0"/>
-              <a:t>The Future</a:t>
+              <a:t>What’s Next</a:t>
             </a:r>
           </a:p>
         </p:txBody>
@@ -8076,8 +8512,11 @@
           <a:p>
             <a:r>
               <a:rPr lang="en-GB" sz="3000" dirty="0"/>
-              <a:t>Potential to negotiate milestones</a:t>
-            </a:r>
+              <a:t>Allocated contingency weeks</a:t>
+            </a:r>
+          </a:p>
+          <a:p>
+            <a:endParaRPr lang="en-GB" sz="3000" dirty="0"/>
           </a:p>
         </p:txBody>
       </p:sp>
@@ -8085,6 +8524,72 @@
     <p:extLst>
       <p:ext uri="{BB962C8B-B14F-4D97-AF65-F5344CB8AC3E}">
         <p14:creationId xmlns:p14="http://schemas.microsoft.com/office/powerpoint/2010/main" val="1436131465"/>
+      </p:ext>
+    </p:extLst>
+  </p:cSld>
+  <p:clrMapOvr>
+    <a:masterClrMapping/>
+  </p:clrMapOvr>
+</p:sld>
+</file>
+
+<file path=ppt/slides/slide9.xml><?xml version="1.0" encoding="utf-8"?>
+<p:sld xmlns:a="http://schemas.openxmlformats.org/drawingml/2006/main" xmlns:r="http://schemas.openxmlformats.org/officeDocument/2006/relationships" xmlns:p="http://schemas.openxmlformats.org/presentationml/2006/main">
+  <p:cSld>
+    <p:spTree>
+      <p:nvGrpSpPr>
+        <p:cNvPr id="1" name=""/>
+        <p:cNvGrpSpPr/>
+        <p:nvPr/>
+      </p:nvGrpSpPr>
+      <p:grpSpPr>
+        <a:xfrm>
+          <a:off x="0" y="0"/>
+          <a:ext cx="0" cy="0"/>
+          <a:chOff x="0" y="0"/>
+          <a:chExt cx="0" cy="0"/>
+        </a:xfrm>
+      </p:grpSpPr>
+      <p:sp>
+        <p:nvSpPr>
+          <p:cNvPr id="2" name="Title 1">
+            <a:extLst>
+              <a:ext uri="{FF2B5EF4-FFF2-40B4-BE49-F238E27FC236}">
+                <a16:creationId xmlns:a16="http://schemas.microsoft.com/office/drawing/2014/main" id="{171B54C7-AB2F-40D7-B64E-44830AAFD7A0}"/>
+              </a:ext>
+            </a:extLst>
+          </p:cNvPr>
+          <p:cNvSpPr>
+            <a:spLocks noGrp="1"/>
+          </p:cNvSpPr>
+          <p:nvPr>
+            <p:ph type="title"/>
+          </p:nvPr>
+        </p:nvSpPr>
+        <p:spPr>
+          <a:xfrm>
+            <a:off x="2592925" y="3014975"/>
+            <a:ext cx="8911687" cy="1280890"/>
+          </a:xfrm>
+        </p:spPr>
+        <p:txBody>
+          <a:bodyPr>
+            <a:normAutofit/>
+          </a:bodyPr>
+          <a:lstStyle/>
+          <a:p>
+            <a:pPr algn="ctr"/>
+            <a:r>
+              <a:rPr lang="en-GB" sz="4800" dirty="0"/>
+              <a:t>Questions?</a:t>
+            </a:r>
+          </a:p>
+        </p:txBody>
+      </p:sp>
+    </p:spTree>
+    <p:extLst>
+      <p:ext uri="{BB962C8B-B14F-4D97-AF65-F5344CB8AC3E}">
+        <p14:creationId xmlns:p14="http://schemas.microsoft.com/office/powerpoint/2010/main" val="496413524"/>
       </p:ext>
     </p:extLst>
   </p:cSld>

--- a/Documents/Presentation-1.pptx
+++ b/Documents/Presentation-1.pptx
@@ -12,8 +12,13 @@
     <p:sldId id="265" r:id="rId6"/>
     <p:sldId id="267" r:id="rId7"/>
     <p:sldId id="266" r:id="rId8"/>
-    <p:sldId id="261" r:id="rId9"/>
-    <p:sldId id="268" r:id="rId10"/>
+    <p:sldId id="271" r:id="rId9"/>
+    <p:sldId id="272" r:id="rId10"/>
+    <p:sldId id="273" r:id="rId11"/>
+    <p:sldId id="274" r:id="rId12"/>
+    <p:sldId id="275" r:id="rId13"/>
+    <p:sldId id="269" r:id="rId14"/>
+    <p:sldId id="268" r:id="rId15"/>
   </p:sldIdLst>
   <p:sldSz cx="12192000" cy="6858000"/>
   <p:notesSz cx="6858000" cy="9144000"/>
@@ -7653,6 +7658,468 @@
 </p:sld>
 </file>
 
+<file path=ppt/slides/slide10.xml><?xml version="1.0" encoding="utf-8"?>
+<p:sld xmlns:a="http://schemas.openxmlformats.org/drawingml/2006/main" xmlns:r="http://schemas.openxmlformats.org/officeDocument/2006/relationships" xmlns:p="http://schemas.openxmlformats.org/presentationml/2006/main">
+  <p:cSld>
+    <p:spTree>
+      <p:nvGrpSpPr>
+        <p:cNvPr id="1" name=""/>
+        <p:cNvGrpSpPr/>
+        <p:nvPr/>
+      </p:nvGrpSpPr>
+      <p:grpSpPr>
+        <a:xfrm>
+          <a:off x="0" y="0"/>
+          <a:ext cx="0" cy="0"/>
+          <a:chOff x="0" y="0"/>
+          <a:chExt cx="0" cy="0"/>
+        </a:xfrm>
+      </p:grpSpPr>
+      <p:sp>
+        <p:nvSpPr>
+          <p:cNvPr id="2" name="Title 1">
+            <a:extLst>
+              <a:ext uri="{FF2B5EF4-FFF2-40B4-BE49-F238E27FC236}">
+                <a16:creationId xmlns:a16="http://schemas.microsoft.com/office/drawing/2014/main" id="{8445B1DE-02E4-418C-9AD3-61B136799B7A}"/>
+              </a:ext>
+            </a:extLst>
+          </p:cNvPr>
+          <p:cNvSpPr>
+            <a:spLocks noGrp="1"/>
+          </p:cNvSpPr>
+          <p:nvPr>
+            <p:ph type="title"/>
+          </p:nvPr>
+        </p:nvSpPr>
+        <p:spPr/>
+        <p:txBody>
+          <a:bodyPr>
+            <a:normAutofit/>
+          </a:bodyPr>
+          <a:lstStyle/>
+          <a:p>
+            <a:r>
+              <a:rPr lang="en-GB" sz="4800" dirty="0"/>
+              <a:t>Agent Interaction</a:t>
+            </a:r>
+          </a:p>
+        </p:txBody>
+      </p:sp>
+      <p:sp>
+        <p:nvSpPr>
+          <p:cNvPr id="3" name="Content Placeholder 2">
+            <a:extLst>
+              <a:ext uri="{FF2B5EF4-FFF2-40B4-BE49-F238E27FC236}">
+                <a16:creationId xmlns:a16="http://schemas.microsoft.com/office/drawing/2014/main" id="{7543C3D0-2748-4AC6-91F6-CCA136314DC1}"/>
+              </a:ext>
+            </a:extLst>
+          </p:cNvPr>
+          <p:cNvSpPr>
+            <a:spLocks noGrp="1"/>
+          </p:cNvSpPr>
+          <p:nvPr>
+            <p:ph idx="1"/>
+          </p:nvPr>
+        </p:nvSpPr>
+        <p:spPr/>
+        <p:txBody>
+          <a:bodyPr>
+            <a:normAutofit/>
+          </a:bodyPr>
+          <a:lstStyle/>
+          <a:p>
+            <a:r>
+              <a:rPr lang="en-GB" sz="3000" dirty="0"/>
+              <a:t>“Implied” conversations</a:t>
+            </a:r>
+          </a:p>
+          <a:p>
+            <a:r>
+              <a:rPr lang="en-GB" sz="3000" dirty="0"/>
+              <a:t>Needs</a:t>
+            </a:r>
+          </a:p>
+        </p:txBody>
+      </p:sp>
+    </p:spTree>
+    <p:extLst>
+      <p:ext uri="{BB962C8B-B14F-4D97-AF65-F5344CB8AC3E}">
+        <p14:creationId xmlns:p14="http://schemas.microsoft.com/office/powerpoint/2010/main" val="3562454997"/>
+      </p:ext>
+    </p:extLst>
+  </p:cSld>
+  <p:clrMapOvr>
+    <a:masterClrMapping/>
+  </p:clrMapOvr>
+</p:sld>
+</file>
+
+<file path=ppt/slides/slide11.xml><?xml version="1.0" encoding="utf-8"?>
+<p:sld xmlns:a="http://schemas.openxmlformats.org/drawingml/2006/main" xmlns:r="http://schemas.openxmlformats.org/officeDocument/2006/relationships" xmlns:p="http://schemas.openxmlformats.org/presentationml/2006/main">
+  <p:cSld>
+    <p:spTree>
+      <p:nvGrpSpPr>
+        <p:cNvPr id="1" name=""/>
+        <p:cNvGrpSpPr/>
+        <p:nvPr/>
+      </p:nvGrpSpPr>
+      <p:grpSpPr>
+        <a:xfrm>
+          <a:off x="0" y="0"/>
+          <a:ext cx="0" cy="0"/>
+          <a:chOff x="0" y="0"/>
+          <a:chExt cx="0" cy="0"/>
+        </a:xfrm>
+      </p:grpSpPr>
+      <p:sp>
+        <p:nvSpPr>
+          <p:cNvPr id="2" name="Title 1">
+            <a:extLst>
+              <a:ext uri="{FF2B5EF4-FFF2-40B4-BE49-F238E27FC236}">
+                <a16:creationId xmlns:a16="http://schemas.microsoft.com/office/drawing/2014/main" id="{0CD7F6EF-93E0-438D-8E9C-E4CF1117FCB4}"/>
+              </a:ext>
+            </a:extLst>
+          </p:cNvPr>
+          <p:cNvSpPr>
+            <a:spLocks noGrp="1"/>
+          </p:cNvSpPr>
+          <p:nvPr>
+            <p:ph type="title"/>
+          </p:nvPr>
+        </p:nvSpPr>
+        <p:spPr/>
+        <p:txBody>
+          <a:bodyPr>
+            <a:normAutofit/>
+          </a:bodyPr>
+          <a:lstStyle/>
+          <a:p>
+            <a:r>
+              <a:rPr lang="en-GB" sz="4800" dirty="0"/>
+              <a:t>Security Cameras</a:t>
+            </a:r>
+          </a:p>
+        </p:txBody>
+      </p:sp>
+      <p:sp>
+        <p:nvSpPr>
+          <p:cNvPr id="3" name="Content Placeholder 2">
+            <a:extLst>
+              <a:ext uri="{FF2B5EF4-FFF2-40B4-BE49-F238E27FC236}">
+                <a16:creationId xmlns:a16="http://schemas.microsoft.com/office/drawing/2014/main" id="{2542C7F4-36E2-4207-9FFC-2CE686B861FC}"/>
+              </a:ext>
+            </a:extLst>
+          </p:cNvPr>
+          <p:cNvSpPr>
+            <a:spLocks noGrp="1"/>
+          </p:cNvSpPr>
+          <p:nvPr>
+            <p:ph idx="1"/>
+          </p:nvPr>
+        </p:nvSpPr>
+        <p:spPr/>
+        <p:txBody>
+          <a:bodyPr>
+            <a:normAutofit/>
+          </a:bodyPr>
+          <a:lstStyle/>
+          <a:p>
+            <a:r>
+              <a:rPr lang="en-GB" sz="3000" dirty="0"/>
+              <a:t>Placed around the scene</a:t>
+            </a:r>
+          </a:p>
+          <a:p>
+            <a:r>
+              <a:rPr lang="en-GB" sz="3000" dirty="0"/>
+              <a:t>Update player position for all agents</a:t>
+            </a:r>
+          </a:p>
+        </p:txBody>
+      </p:sp>
+    </p:spTree>
+    <p:extLst>
+      <p:ext uri="{BB962C8B-B14F-4D97-AF65-F5344CB8AC3E}">
+        <p14:creationId xmlns:p14="http://schemas.microsoft.com/office/powerpoint/2010/main" val="3423208746"/>
+      </p:ext>
+    </p:extLst>
+  </p:cSld>
+  <p:clrMapOvr>
+    <a:masterClrMapping/>
+  </p:clrMapOvr>
+</p:sld>
+</file>
+
+<file path=ppt/slides/slide12.xml><?xml version="1.0" encoding="utf-8"?>
+<p:sld xmlns:a="http://schemas.openxmlformats.org/drawingml/2006/main" xmlns:r="http://schemas.openxmlformats.org/officeDocument/2006/relationships" xmlns:p="http://schemas.openxmlformats.org/presentationml/2006/main">
+  <p:cSld>
+    <p:spTree>
+      <p:nvGrpSpPr>
+        <p:cNvPr id="1" name=""/>
+        <p:cNvGrpSpPr/>
+        <p:nvPr/>
+      </p:nvGrpSpPr>
+      <p:grpSpPr>
+        <a:xfrm>
+          <a:off x="0" y="0"/>
+          <a:ext cx="0" cy="0"/>
+          <a:chOff x="0" y="0"/>
+          <a:chExt cx="0" cy="0"/>
+        </a:xfrm>
+      </p:grpSpPr>
+      <p:sp>
+        <p:nvSpPr>
+          <p:cNvPr id="2" name="Title 1">
+            <a:extLst>
+              <a:ext uri="{FF2B5EF4-FFF2-40B4-BE49-F238E27FC236}">
+                <a16:creationId xmlns:a16="http://schemas.microsoft.com/office/drawing/2014/main" id="{263E8B3F-D5E2-426D-AB77-85B545C72EA2}"/>
+              </a:ext>
+            </a:extLst>
+          </p:cNvPr>
+          <p:cNvSpPr>
+            <a:spLocks noGrp="1"/>
+          </p:cNvSpPr>
+          <p:nvPr>
+            <p:ph type="title"/>
+          </p:nvPr>
+        </p:nvSpPr>
+        <p:spPr/>
+        <p:txBody>
+          <a:bodyPr>
+            <a:normAutofit/>
+          </a:bodyPr>
+          <a:lstStyle/>
+          <a:p>
+            <a:r>
+              <a:rPr lang="en-GB" sz="4800" dirty="0"/>
+              <a:t>Next Steps</a:t>
+            </a:r>
+          </a:p>
+        </p:txBody>
+      </p:sp>
+      <p:sp>
+        <p:nvSpPr>
+          <p:cNvPr id="3" name="Content Placeholder 2">
+            <a:extLst>
+              <a:ext uri="{FF2B5EF4-FFF2-40B4-BE49-F238E27FC236}">
+                <a16:creationId xmlns:a16="http://schemas.microsoft.com/office/drawing/2014/main" id="{AAB0C47A-DAEE-48A8-881D-CE509EA4AC48}"/>
+              </a:ext>
+            </a:extLst>
+          </p:cNvPr>
+          <p:cNvSpPr>
+            <a:spLocks noGrp="1"/>
+          </p:cNvSpPr>
+          <p:nvPr>
+            <p:ph idx="1"/>
+          </p:nvPr>
+        </p:nvSpPr>
+        <p:spPr/>
+        <p:txBody>
+          <a:bodyPr>
+            <a:normAutofit/>
+          </a:bodyPr>
+          <a:lstStyle/>
+          <a:p>
+            <a:r>
+              <a:rPr lang="en-GB" sz="3000" dirty="0"/>
+              <a:t>Increase hours</a:t>
+            </a:r>
+          </a:p>
+          <a:p>
+            <a:r>
+              <a:rPr lang="en-GB" sz="3000" dirty="0"/>
+              <a:t>Contingency weeks</a:t>
+            </a:r>
+          </a:p>
+          <a:p>
+            <a:r>
+              <a:rPr lang="en-GB" sz="3000" dirty="0"/>
+              <a:t>Milestones back on track</a:t>
+            </a:r>
+          </a:p>
+        </p:txBody>
+      </p:sp>
+    </p:spTree>
+    <p:extLst>
+      <p:ext uri="{BB962C8B-B14F-4D97-AF65-F5344CB8AC3E}">
+        <p14:creationId xmlns:p14="http://schemas.microsoft.com/office/powerpoint/2010/main" val="3102466756"/>
+      </p:ext>
+    </p:extLst>
+  </p:cSld>
+  <p:clrMapOvr>
+    <a:masterClrMapping/>
+  </p:clrMapOvr>
+</p:sld>
+</file>
+
+<file path=ppt/slides/slide13.xml><?xml version="1.0" encoding="utf-8"?>
+<p:sld xmlns:a="http://schemas.openxmlformats.org/drawingml/2006/main" xmlns:r="http://schemas.openxmlformats.org/officeDocument/2006/relationships" xmlns:p="http://schemas.openxmlformats.org/presentationml/2006/main">
+  <p:cSld>
+    <p:spTree>
+      <p:nvGrpSpPr>
+        <p:cNvPr id="1" name=""/>
+        <p:cNvGrpSpPr/>
+        <p:nvPr/>
+      </p:nvGrpSpPr>
+      <p:grpSpPr>
+        <a:xfrm>
+          <a:off x="0" y="0"/>
+          <a:ext cx="0" cy="0"/>
+          <a:chOff x="0" y="0"/>
+          <a:chExt cx="0" cy="0"/>
+        </a:xfrm>
+      </p:grpSpPr>
+      <p:sp>
+        <p:nvSpPr>
+          <p:cNvPr id="2" name="Title 1">
+            <a:extLst>
+              <a:ext uri="{FF2B5EF4-FFF2-40B4-BE49-F238E27FC236}">
+                <a16:creationId xmlns:a16="http://schemas.microsoft.com/office/drawing/2014/main" id="{1A4D8CA3-9B0A-45B8-8A42-C7FE69EAA957}"/>
+              </a:ext>
+            </a:extLst>
+          </p:cNvPr>
+          <p:cNvSpPr>
+            <a:spLocks noGrp="1"/>
+          </p:cNvSpPr>
+          <p:nvPr>
+            <p:ph type="title"/>
+          </p:nvPr>
+        </p:nvSpPr>
+        <p:spPr/>
+        <p:txBody>
+          <a:bodyPr>
+            <a:normAutofit/>
+          </a:bodyPr>
+          <a:lstStyle/>
+          <a:p>
+            <a:r>
+              <a:rPr lang="en-GB" sz="4800" dirty="0"/>
+              <a:t>What am I handing in?</a:t>
+            </a:r>
+          </a:p>
+        </p:txBody>
+      </p:sp>
+      <p:sp>
+        <p:nvSpPr>
+          <p:cNvPr id="3" name="Content Placeholder 2">
+            <a:extLst>
+              <a:ext uri="{FF2B5EF4-FFF2-40B4-BE49-F238E27FC236}">
+                <a16:creationId xmlns:a16="http://schemas.microsoft.com/office/drawing/2014/main" id="{1E767889-A1B3-4854-A153-09629EBD6174}"/>
+              </a:ext>
+            </a:extLst>
+          </p:cNvPr>
+          <p:cNvSpPr>
+            <a:spLocks noGrp="1"/>
+          </p:cNvSpPr>
+          <p:nvPr>
+            <p:ph idx="1"/>
+          </p:nvPr>
+        </p:nvSpPr>
+        <p:spPr/>
+        <p:txBody>
+          <a:bodyPr>
+            <a:normAutofit/>
+          </a:bodyPr>
+          <a:lstStyle/>
+          <a:p>
+            <a:r>
+              <a:rPr lang="en-GB" sz="3000" dirty="0"/>
+              <a:t>A 3D Stealth Test Environment</a:t>
+            </a:r>
+          </a:p>
+          <a:p>
+            <a:r>
+              <a:rPr lang="en-GB" sz="3000" dirty="0"/>
+              <a:t>Agents controlled by a behaviour tree</a:t>
+            </a:r>
+          </a:p>
+          <a:p>
+            <a:r>
+              <a:rPr lang="en-GB" sz="3000" dirty="0"/>
+              <a:t>Agents acting in a believable way (Excluding models and animations) </a:t>
+            </a:r>
+          </a:p>
+        </p:txBody>
+      </p:sp>
+    </p:spTree>
+    <p:extLst>
+      <p:ext uri="{BB962C8B-B14F-4D97-AF65-F5344CB8AC3E}">
+        <p14:creationId xmlns:p14="http://schemas.microsoft.com/office/powerpoint/2010/main" val="1649496120"/>
+      </p:ext>
+    </p:extLst>
+  </p:cSld>
+  <p:clrMapOvr>
+    <a:masterClrMapping/>
+  </p:clrMapOvr>
+</p:sld>
+</file>
+
+<file path=ppt/slides/slide14.xml><?xml version="1.0" encoding="utf-8"?>
+<p:sld xmlns:a="http://schemas.openxmlformats.org/drawingml/2006/main" xmlns:r="http://schemas.openxmlformats.org/officeDocument/2006/relationships" xmlns:p="http://schemas.openxmlformats.org/presentationml/2006/main">
+  <p:cSld>
+    <p:spTree>
+      <p:nvGrpSpPr>
+        <p:cNvPr id="1" name=""/>
+        <p:cNvGrpSpPr/>
+        <p:nvPr/>
+      </p:nvGrpSpPr>
+      <p:grpSpPr>
+        <a:xfrm>
+          <a:off x="0" y="0"/>
+          <a:ext cx="0" cy="0"/>
+          <a:chOff x="0" y="0"/>
+          <a:chExt cx="0" cy="0"/>
+        </a:xfrm>
+      </p:grpSpPr>
+      <p:sp>
+        <p:nvSpPr>
+          <p:cNvPr id="2" name="Title 1">
+            <a:extLst>
+              <a:ext uri="{FF2B5EF4-FFF2-40B4-BE49-F238E27FC236}">
+                <a16:creationId xmlns:a16="http://schemas.microsoft.com/office/drawing/2014/main" id="{171B54C7-AB2F-40D7-B64E-44830AAFD7A0}"/>
+              </a:ext>
+            </a:extLst>
+          </p:cNvPr>
+          <p:cNvSpPr>
+            <a:spLocks noGrp="1"/>
+          </p:cNvSpPr>
+          <p:nvPr>
+            <p:ph type="title"/>
+          </p:nvPr>
+        </p:nvSpPr>
+        <p:spPr>
+          <a:xfrm>
+            <a:off x="2592925" y="3014975"/>
+            <a:ext cx="8911687" cy="1280890"/>
+          </a:xfrm>
+        </p:spPr>
+        <p:txBody>
+          <a:bodyPr>
+            <a:normAutofit/>
+          </a:bodyPr>
+          <a:lstStyle/>
+          <a:p>
+            <a:pPr algn="ctr"/>
+            <a:r>
+              <a:rPr lang="en-GB" sz="4800" dirty="0"/>
+              <a:t>Questions?</a:t>
+            </a:r>
+          </a:p>
+        </p:txBody>
+      </p:sp>
+    </p:spTree>
+    <p:extLst>
+      <p:ext uri="{BB962C8B-B14F-4D97-AF65-F5344CB8AC3E}">
+        <p14:creationId xmlns:p14="http://schemas.microsoft.com/office/powerpoint/2010/main" val="496413524"/>
+      </p:ext>
+    </p:extLst>
+  </p:cSld>
+  <p:clrMapOvr>
+    <a:masterClrMapping/>
+  </p:clrMapOvr>
+</p:sld>
+</file>
+
 <file path=ppt/slides/slide2.xml><?xml version="1.0" encoding="utf-8"?>
 <p:sld xmlns:a="http://schemas.openxmlformats.org/drawingml/2006/main" xmlns:r="http://schemas.openxmlformats.org/officeDocument/2006/relationships" xmlns:p="http://schemas.openxmlformats.org/presentationml/2006/main">
   <p:cSld>
@@ -8049,31 +8516,43 @@
             </a:r>
           </a:p>
           <a:p>
-            <a:r>
-              <a:rPr lang="en-US" sz="1400" dirty="0"/>
-              <a:t>Champandard, A. (2007). </a:t>
-            </a:r>
-            <a:r>
-              <a:rPr lang="en-US" sz="1400" i="1" dirty="0"/>
-              <a:t>The Power of Sequences for Hierarchical Behaviors | AiGameDev.com</a:t>
-            </a:r>
-            <a:r>
-              <a:rPr lang="en-US" sz="1400" dirty="0"/>
-              <a:t>. [online] Aigamedev.com. Available at: http://aigamedev.com/open/article/sequence/ [Accessed 5 Oct. 2018].</a:t>
-            </a:r>
-          </a:p>
-          <a:p>
+            <a:pPr marL="0" indent="0">
+              <a:buNone/>
+            </a:pPr>
+            <a:endParaRPr lang="en-US" sz="1400" dirty="0"/>
+          </a:p>
+          <a:p>
+            <a:pPr marL="0" indent="0">
+              <a:buNone/>
+            </a:pPr>
             <a:r>
               <a:rPr lang="en-US" sz="1500" dirty="0"/>
               <a:t>Champandard, A. (2007). </a:t>
             </a:r>
             <a:r>
               <a:rPr lang="en-US" sz="1500" i="1" dirty="0"/>
+              <a:t>The Power of Sequences for Hierarchical Behaviors | AiGameDev.com</a:t>
+            </a:r>
+            <a:r>
+              <a:rPr lang="en-US" sz="1500" dirty="0"/>
+              <a:t>. [online] Aigamedev.com. Available at: http://aigamedev.com/open/article/sequence/ </a:t>
+            </a:r>
+          </a:p>
+          <a:p>
+            <a:pPr marL="0" indent="0">
+              <a:buNone/>
+            </a:pPr>
+            <a:r>
+              <a:rPr lang="en-US" sz="1500" dirty="0"/>
+              <a:t>Champandard, A. (2007). </a:t>
+            </a:r>
+            <a:r>
+              <a:rPr lang="en-US" sz="1500" i="1" dirty="0"/>
               <a:t>The Flexibility of Selectors for Hierarchical Logic | AiGameDev.com</a:t>
             </a:r>
             <a:r>
               <a:rPr lang="en-US" sz="1500" dirty="0"/>
-              <a:t>. [online] Aigamedev.com. Available at: http://aigamedev.com/open/article/selector/ [Accessed 5 Oct. 2018].</a:t>
+              <a:t>. [online] Aigamedev.com. Available at: http://aigamedev.com/open/article/selector/ </a:t>
             </a:r>
             <a:endParaRPr lang="en-GB" sz="1500" dirty="0"/>
           </a:p>
@@ -8400,7 +8879,7 @@
           <a:p>
             <a:r>
               <a:rPr lang="en-GB" sz="3000" dirty="0"/>
-              <a:t>Update blackboard &amp; implement a global blackboard</a:t>
+              <a:t>Update agent &amp; global blackboard blackboards</a:t>
             </a:r>
           </a:p>
           <a:p>
@@ -8455,7 +8934,7 @@
           <p:cNvPr id="2" name="Title 1">
             <a:extLst>
               <a:ext uri="{FF2B5EF4-FFF2-40B4-BE49-F238E27FC236}">
-                <a16:creationId xmlns:a16="http://schemas.microsoft.com/office/drawing/2014/main" id="{1B5EEF1B-F439-4C4A-AC86-53C7781FE548}"/>
+                <a16:creationId xmlns:a16="http://schemas.microsoft.com/office/drawing/2014/main" id="{282C6821-59E7-495B-A7C0-EBD692D4069C}"/>
               </a:ext>
             </a:extLst>
           </p:cNvPr>
@@ -8473,10 +8952,9 @@
           </a:bodyPr>
           <a:lstStyle/>
           <a:p>
-            <a:pPr algn="ctr"/>
-            <a:r>
-              <a:rPr lang="en-GB" sz="5400" dirty="0"/>
-              <a:t>What’s Next</a:t>
+            <a:r>
+              <a:rPr lang="en-GB" sz="4800" dirty="0"/>
+              <a:t>Breaking Down Behaviours</a:t>
             </a:r>
           </a:p>
         </p:txBody>
@@ -8486,7 +8964,7 @@
           <p:cNvPr id="3" name="Content Placeholder 2">
             <a:extLst>
               <a:ext uri="{FF2B5EF4-FFF2-40B4-BE49-F238E27FC236}">
-                <a16:creationId xmlns:a16="http://schemas.microsoft.com/office/drawing/2014/main" id="{4A08E85D-0FDD-4E3F-9857-F2816A8B0B61}"/>
+                <a16:creationId xmlns:a16="http://schemas.microsoft.com/office/drawing/2014/main" id="{C2961B4E-612B-4491-B812-E411AAF7D96E}"/>
               </a:ext>
             </a:extLst>
           </p:cNvPr>
@@ -8506,24 +8984,49 @@
           <a:p>
             <a:r>
               <a:rPr lang="en-GB" sz="3000" dirty="0"/>
-              <a:t>Increased hours</a:t>
+              <a:t>Patrol</a:t>
+            </a:r>
+          </a:p>
+          <a:p>
+            <a:pPr lvl="1"/>
+            <a:r>
+              <a:rPr lang="en-GB" sz="2800" dirty="0"/>
+              <a:t>Normal patrol</a:t>
+            </a:r>
+          </a:p>
+          <a:p>
+            <a:pPr lvl="1"/>
+            <a:r>
+              <a:rPr lang="en-GB" sz="2800" dirty="0"/>
+              <a:t>Alerted patrol</a:t>
             </a:r>
           </a:p>
           <a:p>
             <a:r>
               <a:rPr lang="en-GB" sz="3000" dirty="0"/>
-              <a:t>Allocated contingency weeks</a:t>
-            </a:r>
-          </a:p>
-          <a:p>
-            <a:endParaRPr lang="en-GB" sz="3000" dirty="0"/>
+              <a:t>Seek</a:t>
+            </a:r>
+          </a:p>
+          <a:p>
+            <a:pPr lvl="1"/>
+            <a:r>
+              <a:rPr lang="en-GB" sz="2800" dirty="0"/>
+              <a:t>Hunt player</a:t>
+            </a:r>
+          </a:p>
+          <a:p>
+            <a:pPr lvl="1"/>
+            <a:r>
+              <a:rPr lang="en-GB" sz="2800" dirty="0"/>
+              <a:t>Investigate area</a:t>
+            </a:r>
           </a:p>
         </p:txBody>
       </p:sp>
     </p:spTree>
     <p:extLst>
       <p:ext uri="{BB962C8B-B14F-4D97-AF65-F5344CB8AC3E}">
-        <p14:creationId xmlns:p14="http://schemas.microsoft.com/office/powerpoint/2010/main" val="1436131465"/>
+        <p14:creationId xmlns:p14="http://schemas.microsoft.com/office/powerpoint/2010/main" val="1257841065"/>
       </p:ext>
     </p:extLst>
   </p:cSld>
@@ -8555,7 +9058,7 @@
           <p:cNvPr id="2" name="Title 1">
             <a:extLst>
               <a:ext uri="{FF2B5EF4-FFF2-40B4-BE49-F238E27FC236}">
-                <a16:creationId xmlns:a16="http://schemas.microsoft.com/office/drawing/2014/main" id="{171B54C7-AB2F-40D7-B64E-44830AAFD7A0}"/>
+                <a16:creationId xmlns:a16="http://schemas.microsoft.com/office/drawing/2014/main" id="{6D2CE487-7301-4697-BCD4-C4510F84CF46}"/>
               </a:ext>
             </a:extLst>
           </p:cNvPr>
@@ -8566,30 +9069,87 @@
             <p:ph type="title"/>
           </p:nvPr>
         </p:nvSpPr>
-        <p:spPr>
-          <a:xfrm>
-            <a:off x="2592925" y="3014975"/>
-            <a:ext cx="8911687" cy="1280890"/>
-          </a:xfrm>
-        </p:spPr>
+        <p:spPr/>
         <p:txBody>
           <a:bodyPr>
             <a:normAutofit/>
           </a:bodyPr>
           <a:lstStyle/>
           <a:p>
-            <a:pPr algn="ctr"/>
             <a:r>
               <a:rPr lang="en-GB" sz="4800" dirty="0"/>
-              <a:t>Questions?</a:t>
-            </a:r>
+              <a:t>Blackboards</a:t>
+            </a:r>
+          </a:p>
+        </p:txBody>
+      </p:sp>
+      <p:sp>
+        <p:nvSpPr>
+          <p:cNvPr id="3" name="Content Placeholder 2">
+            <a:extLst>
+              <a:ext uri="{FF2B5EF4-FFF2-40B4-BE49-F238E27FC236}">
+                <a16:creationId xmlns:a16="http://schemas.microsoft.com/office/drawing/2014/main" id="{999B8DEA-6271-44CE-AC1F-82EDE109B433}"/>
+              </a:ext>
+            </a:extLst>
+          </p:cNvPr>
+          <p:cNvSpPr>
+            <a:spLocks noGrp="1"/>
+          </p:cNvSpPr>
+          <p:nvPr>
+            <p:ph idx="1"/>
+          </p:nvPr>
+        </p:nvSpPr>
+        <p:spPr/>
+        <p:txBody>
+          <a:bodyPr>
+            <a:normAutofit/>
+          </a:bodyPr>
+          <a:lstStyle/>
+          <a:p>
+            <a:r>
+              <a:rPr lang="en-US" sz="3000" dirty="0"/>
+              <a:t>Update to hold more information</a:t>
+            </a:r>
+          </a:p>
+          <a:p>
+            <a:r>
+              <a:rPr lang="en-US" sz="3000" dirty="0"/>
+              <a:t>Debug functions</a:t>
+            </a:r>
+          </a:p>
+          <a:p>
+            <a:endParaRPr lang="en-US" sz="3000" dirty="0"/>
+          </a:p>
+          <a:p>
+            <a:endParaRPr lang="en-US" dirty="0"/>
+          </a:p>
+          <a:p>
+            <a:endParaRPr lang="en-US" dirty="0"/>
+          </a:p>
+          <a:p>
+            <a:pPr marL="0" indent="0">
+              <a:buNone/>
+            </a:pPr>
+            <a:r>
+              <a:rPr lang="en-US" sz="1500" dirty="0"/>
+              <a:t>Champandard, A. (2007). </a:t>
+            </a:r>
+            <a:r>
+              <a:rPr lang="en-US" sz="1500" i="1" dirty="0"/>
+              <a:t>Using a Static Blackboard to Store World Knowledge | AiGameDev.com</a:t>
+            </a:r>
+            <a:r>
+              <a:rPr lang="en-US" sz="1500" dirty="0"/>
+              <a:t>. [online] Aigamedev.com. Available at: http://aigamedev.com/open/article/static-blackboard/</a:t>
+            </a:r>
+            <a:endParaRPr lang="en-GB" sz="1500" dirty="0"/>
           </a:p>
         </p:txBody>
       </p:sp>
     </p:spTree>
     <p:extLst>
       <p:ext uri="{BB962C8B-B14F-4D97-AF65-F5344CB8AC3E}">
-        <p14:creationId xmlns:p14="http://schemas.microsoft.com/office/powerpoint/2010/main" val="496413524"/>
+        <p14:creationId xmlns:p14="http://schemas.microsoft.com/office/powerpoint/2010/main" val="912873832"/>
       </p:ext>
     </p:extLst>
   </p:cSld>

--- a/Documents/Presentation-1.pptx
+++ b/Documents/Presentation-1.pptx
@@ -8221,7 +8221,7 @@
           <a:p>
             <a:r>
               <a:rPr lang="en-GB" sz="3000" dirty="0"/>
-              <a:t>Implemented Line of Sight</a:t>
+              <a:t>Implemented Line of Sight (LoS)</a:t>
             </a:r>
           </a:p>
           <a:p>

--- a/Documents/Presentation-1.pptx
+++ b/Documents/Presentation-1.pptx
@@ -8325,7 +8325,7 @@
             </a:r>
             <a:r>
               <a:rPr lang="en-US" dirty="0"/>
-              <a:t>. [online] Available at http://aigamedev.com/open/article/fsm-reusable/ [Accessed 24 Sept. 2018]</a:t>
+              <a:t>. [online] Available at http://aigamedev.com/open/article/fsm-reusable/</a:t>
             </a:r>
           </a:p>
           <a:p>
@@ -8375,7 +8375,7 @@
             </a:r>
             <a:r>
               <a:rPr lang="en-US" dirty="0"/>
-              <a:t>. [online] Aigamedev.com. Available at: http://aigamedev.com/open/article/hfsm-gist/ [Accessed 1 Oct. 2018].</a:t>
+              <a:t>. [online] Aigamedev.com. Available at: http://aigamedev.com/open/article/hfsm-gist/</a:t>
             </a:r>
           </a:p>
           <a:p>
@@ -8401,7 +8401,7 @@
           <a:p>
             <a:r>
               <a:rPr lang="it-IT" dirty="0"/>
-              <a:t>Rabin, S. </a:t>
+              <a:t>Rabin, S. 2017, </a:t>
             </a:r>
             <a:r>
               <a:rPr lang="it-IT" i="1" dirty="0"/>

--- a/Documents/Presentation-1.pptx
+++ b/Documents/Presentation-1.pptx
@@ -314,7 +314,7 @@
             <a:fld id="{B61BEF0D-F0BB-DE4B-95CE-6DB70DBA9567}" type="datetimeFigureOut">
               <a:rPr lang="en-US" dirty="0"/>
               <a:pPr/>
-              <a:t>2/23/2019</a:t>
+              <a:t>2/24/2019</a:t>
             </a:fld>
             <a:endParaRPr lang="en-US" dirty="0"/>
           </a:p>
@@ -649,7 +649,7 @@
             <a:fld id="{B61BEF0D-F0BB-DE4B-95CE-6DB70DBA9567}" type="datetimeFigureOut">
               <a:rPr lang="en-US" dirty="0"/>
               <a:pPr/>
-              <a:t>2/23/2019</a:t>
+              <a:t>2/24/2019</a:t>
             </a:fld>
             <a:endParaRPr lang="en-US" dirty="0"/>
           </a:p>
@@ -1047,7 +1047,7 @@
             <a:fld id="{B61BEF0D-F0BB-DE4B-95CE-6DB70DBA9567}" type="datetimeFigureOut">
               <a:rPr lang="en-US" dirty="0"/>
               <a:pPr/>
-              <a:t>2/23/2019</a:t>
+              <a:t>2/24/2019</a:t>
             </a:fld>
             <a:endParaRPr lang="en-US" dirty="0"/>
           </a:p>
@@ -1380,7 +1380,7 @@
             <a:fld id="{B61BEF0D-F0BB-DE4B-95CE-6DB70DBA9567}" type="datetimeFigureOut">
               <a:rPr lang="en-US" dirty="0"/>
               <a:pPr/>
-              <a:t>2/23/2019</a:t>
+              <a:t>2/24/2019</a:t>
             </a:fld>
             <a:endParaRPr lang="en-US" dirty="0"/>
           </a:p>
@@ -1697,7 +1697,7 @@
             <a:fld id="{B61BEF0D-F0BB-DE4B-95CE-6DB70DBA9567}" type="datetimeFigureOut">
               <a:rPr lang="en-US" dirty="0"/>
               <a:pPr/>
-              <a:t>2/23/2019</a:t>
+              <a:t>2/24/2019</a:t>
             </a:fld>
             <a:endParaRPr lang="en-US" dirty="0"/>
           </a:p>
@@ -2090,7 +2090,7 @@
             <a:fld id="{B61BEF0D-F0BB-DE4B-95CE-6DB70DBA9567}" type="datetimeFigureOut">
               <a:rPr lang="en-US" dirty="0"/>
               <a:pPr/>
-              <a:t>2/23/2019</a:t>
+              <a:t>2/24/2019</a:t>
             </a:fld>
             <a:endParaRPr lang="en-US" dirty="0"/>
           </a:p>
@@ -2344,7 +2344,7 @@
             <a:fld id="{B61BEF0D-F0BB-DE4B-95CE-6DB70DBA9567}" type="datetimeFigureOut">
               <a:rPr lang="en-US" dirty="0"/>
               <a:pPr/>
-              <a:t>2/23/2019</a:t>
+              <a:t>2/24/2019</a:t>
             </a:fld>
             <a:endParaRPr lang="en-US" dirty="0"/>
           </a:p>
@@ -2603,7 +2603,7 @@
             <a:fld id="{B61BEF0D-F0BB-DE4B-95CE-6DB70DBA9567}" type="datetimeFigureOut">
               <a:rPr lang="en-US" dirty="0"/>
               <a:pPr/>
-              <a:t>2/23/2019</a:t>
+              <a:t>2/24/2019</a:t>
             </a:fld>
             <a:endParaRPr lang="en-US" dirty="0"/>
           </a:p>
@@ -2862,7 +2862,7 @@
             <a:fld id="{B61BEF0D-F0BB-DE4B-95CE-6DB70DBA9567}" type="datetimeFigureOut">
               <a:rPr lang="en-US" dirty="0"/>
               <a:pPr/>
-              <a:t>2/23/2019</a:t>
+              <a:t>2/24/2019</a:t>
             </a:fld>
             <a:endParaRPr lang="en-US" dirty="0"/>
           </a:p>
@@ -3188,7 +3188,7 @@
             <a:fld id="{B61BEF0D-F0BB-DE4B-95CE-6DB70DBA9567}" type="datetimeFigureOut">
               <a:rPr lang="en-US" dirty="0"/>
               <a:pPr/>
-              <a:t>2/23/2019</a:t>
+              <a:t>2/24/2019</a:t>
             </a:fld>
             <a:endParaRPr lang="en-US" dirty="0"/>
           </a:p>
@@ -3508,7 +3508,7 @@
             <a:fld id="{B61BEF0D-F0BB-DE4B-95CE-6DB70DBA9567}" type="datetimeFigureOut">
               <a:rPr lang="en-US" dirty="0"/>
               <a:pPr/>
-              <a:t>2/23/2019</a:t>
+              <a:t>2/24/2019</a:t>
             </a:fld>
             <a:endParaRPr lang="en-US" dirty="0"/>
           </a:p>
@@ -3962,7 +3962,7 @@
             <a:fld id="{B61BEF0D-F0BB-DE4B-95CE-6DB70DBA9567}" type="datetimeFigureOut">
               <a:rPr lang="en-US" dirty="0"/>
               <a:pPr/>
-              <a:t>2/23/2019</a:t>
+              <a:t>2/24/2019</a:t>
             </a:fld>
             <a:endParaRPr lang="en-US" dirty="0"/>
           </a:p>
@@ -4164,7 +4164,7 @@
             <a:fld id="{B61BEF0D-F0BB-DE4B-95CE-6DB70DBA9567}" type="datetimeFigureOut">
               <a:rPr lang="en-US" dirty="0"/>
               <a:pPr/>
-              <a:t>2/23/2019</a:t>
+              <a:t>2/24/2019</a:t>
             </a:fld>
             <a:endParaRPr lang="en-US" dirty="0"/>
           </a:p>
@@ -4338,7 +4338,7 @@
             <a:fld id="{B61BEF0D-F0BB-DE4B-95CE-6DB70DBA9567}" type="datetimeFigureOut">
               <a:rPr lang="en-US" dirty="0"/>
               <a:pPr/>
-              <a:t>2/23/2019</a:t>
+              <a:t>2/24/2019</a:t>
             </a:fld>
             <a:endParaRPr lang="en-US" dirty="0"/>
           </a:p>
@@ -4668,7 +4668,7 @@
             <a:fld id="{B61BEF0D-F0BB-DE4B-95CE-6DB70DBA9567}" type="datetimeFigureOut">
               <a:rPr lang="en-US" dirty="0"/>
               <a:pPr/>
-              <a:t>2/23/2019</a:t>
+              <a:t>2/24/2019</a:t>
             </a:fld>
             <a:endParaRPr lang="en-US" dirty="0"/>
           </a:p>
@@ -5010,7 +5010,7 @@
             <a:fld id="{B61BEF0D-F0BB-DE4B-95CE-6DB70DBA9567}" type="datetimeFigureOut">
               <a:rPr lang="en-US" dirty="0"/>
               <a:pPr/>
-              <a:t>2/23/2019</a:t>
+              <a:t>2/24/2019</a:t>
             </a:fld>
             <a:endParaRPr lang="en-US" dirty="0"/>
           </a:p>
@@ -7061,7 +7061,7 @@
             <a:fld id="{B61BEF0D-F0BB-DE4B-95CE-6DB70DBA9567}" type="datetimeFigureOut">
               <a:rPr lang="en-US" dirty="0"/>
               <a:pPr/>
-              <a:t>2/23/2019</a:t>
+              <a:t>2/24/2019</a:t>
             </a:fld>
             <a:endParaRPr lang="en-US" dirty="0"/>
           </a:p>

--- a/Documents/Presentation-1.pptx
+++ b/Documents/Presentation-1.pptx
@@ -314,7 +314,7 @@
             <a:fld id="{B61BEF0D-F0BB-DE4B-95CE-6DB70DBA9567}" type="datetimeFigureOut">
               <a:rPr lang="en-US" dirty="0"/>
               <a:pPr/>
-              <a:t>2/24/2019</a:t>
+              <a:t>2/25/2019</a:t>
             </a:fld>
             <a:endParaRPr lang="en-US" dirty="0"/>
           </a:p>
@@ -649,7 +649,7 @@
             <a:fld id="{B61BEF0D-F0BB-DE4B-95CE-6DB70DBA9567}" type="datetimeFigureOut">
               <a:rPr lang="en-US" dirty="0"/>
               <a:pPr/>
-              <a:t>2/24/2019</a:t>
+              <a:t>2/25/2019</a:t>
             </a:fld>
             <a:endParaRPr lang="en-US" dirty="0"/>
           </a:p>
@@ -1047,7 +1047,7 @@
             <a:fld id="{B61BEF0D-F0BB-DE4B-95CE-6DB70DBA9567}" type="datetimeFigureOut">
               <a:rPr lang="en-US" dirty="0"/>
               <a:pPr/>
-              <a:t>2/24/2019</a:t>
+              <a:t>2/25/2019</a:t>
             </a:fld>
             <a:endParaRPr lang="en-US" dirty="0"/>
           </a:p>
@@ -1380,7 +1380,7 @@
             <a:fld id="{B61BEF0D-F0BB-DE4B-95CE-6DB70DBA9567}" type="datetimeFigureOut">
               <a:rPr lang="en-US" dirty="0"/>
               <a:pPr/>
-              <a:t>2/24/2019</a:t>
+              <a:t>2/25/2019</a:t>
             </a:fld>
             <a:endParaRPr lang="en-US" dirty="0"/>
           </a:p>
@@ -1697,7 +1697,7 @@
             <a:fld id="{B61BEF0D-F0BB-DE4B-95CE-6DB70DBA9567}" type="datetimeFigureOut">
               <a:rPr lang="en-US" dirty="0"/>
               <a:pPr/>
-              <a:t>2/24/2019</a:t>
+              <a:t>2/25/2019</a:t>
             </a:fld>
             <a:endParaRPr lang="en-US" dirty="0"/>
           </a:p>
@@ -2090,7 +2090,7 @@
             <a:fld id="{B61BEF0D-F0BB-DE4B-95CE-6DB70DBA9567}" type="datetimeFigureOut">
               <a:rPr lang="en-US" dirty="0"/>
               <a:pPr/>
-              <a:t>2/24/2019</a:t>
+              <a:t>2/25/2019</a:t>
             </a:fld>
             <a:endParaRPr lang="en-US" dirty="0"/>
           </a:p>
@@ -2344,7 +2344,7 @@
             <a:fld id="{B61BEF0D-F0BB-DE4B-95CE-6DB70DBA9567}" type="datetimeFigureOut">
               <a:rPr lang="en-US" dirty="0"/>
               <a:pPr/>
-              <a:t>2/24/2019</a:t>
+              <a:t>2/25/2019</a:t>
             </a:fld>
             <a:endParaRPr lang="en-US" dirty="0"/>
           </a:p>
@@ -2603,7 +2603,7 @@
             <a:fld id="{B61BEF0D-F0BB-DE4B-95CE-6DB70DBA9567}" type="datetimeFigureOut">
               <a:rPr lang="en-US" dirty="0"/>
               <a:pPr/>
-              <a:t>2/24/2019</a:t>
+              <a:t>2/25/2019</a:t>
             </a:fld>
             <a:endParaRPr lang="en-US" dirty="0"/>
           </a:p>
@@ -2862,7 +2862,7 @@
             <a:fld id="{B61BEF0D-F0BB-DE4B-95CE-6DB70DBA9567}" type="datetimeFigureOut">
               <a:rPr lang="en-US" dirty="0"/>
               <a:pPr/>
-              <a:t>2/24/2019</a:t>
+              <a:t>2/25/2019</a:t>
             </a:fld>
             <a:endParaRPr lang="en-US" dirty="0"/>
           </a:p>
@@ -3188,7 +3188,7 @@
             <a:fld id="{B61BEF0D-F0BB-DE4B-95CE-6DB70DBA9567}" type="datetimeFigureOut">
               <a:rPr lang="en-US" dirty="0"/>
               <a:pPr/>
-              <a:t>2/24/2019</a:t>
+              <a:t>2/25/2019</a:t>
             </a:fld>
             <a:endParaRPr lang="en-US" dirty="0"/>
           </a:p>
@@ -3508,7 +3508,7 @@
             <a:fld id="{B61BEF0D-F0BB-DE4B-95CE-6DB70DBA9567}" type="datetimeFigureOut">
               <a:rPr lang="en-US" dirty="0"/>
               <a:pPr/>
-              <a:t>2/24/2019</a:t>
+              <a:t>2/25/2019</a:t>
             </a:fld>
             <a:endParaRPr lang="en-US" dirty="0"/>
           </a:p>
@@ -3962,7 +3962,7 @@
             <a:fld id="{B61BEF0D-F0BB-DE4B-95CE-6DB70DBA9567}" type="datetimeFigureOut">
               <a:rPr lang="en-US" dirty="0"/>
               <a:pPr/>
-              <a:t>2/24/2019</a:t>
+              <a:t>2/25/2019</a:t>
             </a:fld>
             <a:endParaRPr lang="en-US" dirty="0"/>
           </a:p>
@@ -4164,7 +4164,7 @@
             <a:fld id="{B61BEF0D-F0BB-DE4B-95CE-6DB70DBA9567}" type="datetimeFigureOut">
               <a:rPr lang="en-US" dirty="0"/>
               <a:pPr/>
-              <a:t>2/24/2019</a:t>
+              <a:t>2/25/2019</a:t>
             </a:fld>
             <a:endParaRPr lang="en-US" dirty="0"/>
           </a:p>
@@ -4338,7 +4338,7 @@
             <a:fld id="{B61BEF0D-F0BB-DE4B-95CE-6DB70DBA9567}" type="datetimeFigureOut">
               <a:rPr lang="en-US" dirty="0"/>
               <a:pPr/>
-              <a:t>2/24/2019</a:t>
+              <a:t>2/25/2019</a:t>
             </a:fld>
             <a:endParaRPr lang="en-US" dirty="0"/>
           </a:p>
@@ -4668,7 +4668,7 @@
             <a:fld id="{B61BEF0D-F0BB-DE4B-95CE-6DB70DBA9567}" type="datetimeFigureOut">
               <a:rPr lang="en-US" dirty="0"/>
               <a:pPr/>
-              <a:t>2/24/2019</a:t>
+              <a:t>2/25/2019</a:t>
             </a:fld>
             <a:endParaRPr lang="en-US" dirty="0"/>
           </a:p>
@@ -5010,7 +5010,7 @@
             <a:fld id="{B61BEF0D-F0BB-DE4B-95CE-6DB70DBA9567}" type="datetimeFigureOut">
               <a:rPr lang="en-US" dirty="0"/>
               <a:pPr/>
-              <a:t>2/24/2019</a:t>
+              <a:t>2/25/2019</a:t>
             </a:fld>
             <a:endParaRPr lang="en-US" dirty="0"/>
           </a:p>
@@ -7061,7 +7061,7 @@
             <a:fld id="{B61BEF0D-F0BB-DE4B-95CE-6DB70DBA9567}" type="datetimeFigureOut">
               <a:rPr lang="en-US" dirty="0"/>
               <a:pPr/>
-              <a:t>2/24/2019</a:t>
+              <a:t>2/25/2019</a:t>
             </a:fld>
             <a:endParaRPr lang="en-US" dirty="0"/>
           </a:p>
@@ -7655,6 +7655,13 @@
   <p:clrMapOvr>
     <a:masterClrMapping/>
   </p:clrMapOvr>
+  <p:timing>
+    <p:tnLst>
+      <p:par>
+        <p:cTn id="1" dur="indefinite" restart="never" nodeType="tmRoot"/>
+      </p:par>
+    </p:tnLst>
+  </p:timing>
 </p:sld>
 </file>
 
@@ -7751,6 +7758,13 @@
   <p:clrMapOvr>
     <a:masterClrMapping/>
   </p:clrMapOvr>
+  <p:timing>
+    <p:tnLst>
+      <p:par>
+        <p:cTn id="1" dur="indefinite" restart="never" nodeType="tmRoot"/>
+      </p:par>
+    </p:tnLst>
+  </p:timing>
 </p:sld>
 </file>
 
@@ -7847,6 +7861,13 @@
   <p:clrMapOvr>
     <a:masterClrMapping/>
   </p:clrMapOvr>
+  <p:timing>
+    <p:tnLst>
+      <p:par>
+        <p:cTn id="1" dur="indefinite" restart="never" nodeType="tmRoot"/>
+      </p:par>
+    </p:tnLst>
+  </p:timing>
 </p:sld>
 </file>
 
@@ -7949,6 +7970,13 @@
   <p:clrMapOvr>
     <a:masterClrMapping/>
   </p:clrMapOvr>
+  <p:timing>
+    <p:tnLst>
+      <p:par>
+        <p:cTn id="1" dur="indefinite" restart="never" nodeType="tmRoot"/>
+      </p:par>
+    </p:tnLst>
+  </p:timing>
 </p:sld>
 </file>
 
@@ -8051,6 +8079,13 @@
   <p:clrMapOvr>
     <a:masterClrMapping/>
   </p:clrMapOvr>
+  <p:timing>
+    <p:tnLst>
+      <p:par>
+        <p:cTn id="1" dur="indefinite" restart="never" nodeType="tmRoot"/>
+      </p:par>
+    </p:tnLst>
+  </p:timing>
 </p:sld>
 </file>
 
@@ -8117,6 +8152,13 @@
   <p:clrMapOvr>
     <a:masterClrMapping/>
   </p:clrMapOvr>
+  <p:timing>
+    <p:tnLst>
+      <p:par>
+        <p:cTn id="1" dur="indefinite" restart="never" nodeType="tmRoot"/>
+      </p:par>
+    </p:tnLst>
+  </p:timing>
 </p:sld>
 </file>
 
@@ -8242,6 +8284,13 @@
   <p:clrMapOvr>
     <a:masterClrMapping/>
   </p:clrMapOvr>
+  <p:timing>
+    <p:tnLst>
+      <p:par>
+        <p:cTn id="1" dur="indefinite" restart="never" nodeType="tmRoot"/>
+      </p:par>
+    </p:tnLst>
+  </p:timing>
 </p:sld>
 </file>
 
@@ -8425,6 +8474,13 @@
   <p:clrMapOvr>
     <a:masterClrMapping/>
   </p:clrMapOvr>
+  <p:timing>
+    <p:tnLst>
+      <p:par>
+        <p:cTn id="1" dur="indefinite" restart="never" nodeType="tmRoot"/>
+      </p:par>
+    </p:tnLst>
+  </p:timing>
 </p:sld>
 </file>
 
@@ -8527,7 +8583,15 @@
             </a:pPr>
             <a:r>
               <a:rPr lang="en-US" sz="1500" dirty="0"/>
-              <a:t>Champandard, A. (2007). </a:t>
+              <a:t>Champandard, A. (2007</a:t>
+            </a:r>
+            <a:r>
+              <a:rPr lang="en-US" sz="1500" dirty="0" smtClean="0"/>
+              <a:t>) a.</a:t>
+            </a:r>
+            <a:r>
+              <a:rPr lang="en-US" sz="1500" dirty="0"/>
+              <a:t> </a:t>
             </a:r>
             <a:r>
               <a:rPr lang="en-US" sz="1500" i="1" dirty="0"/>
@@ -8544,7 +8608,15 @@
             </a:pPr>
             <a:r>
               <a:rPr lang="en-US" sz="1500" dirty="0"/>
-              <a:t>Champandard, A. (2007). </a:t>
+              <a:t>Champandard, A. (2007</a:t>
+            </a:r>
+            <a:r>
+              <a:rPr lang="en-US" sz="1500" dirty="0" smtClean="0"/>
+              <a:t>) b.</a:t>
+            </a:r>
+            <a:r>
+              <a:rPr lang="en-US" sz="1500" dirty="0"/>
+              <a:t> </a:t>
             </a:r>
             <a:r>
               <a:rPr lang="en-US" sz="1500" i="1" dirty="0"/>
@@ -8555,6 +8627,136 @@
               <a:t>. [online] Aigamedev.com. Available at: http://aigamedev.com/open/article/selector/ </a:t>
             </a:r>
             <a:endParaRPr lang="en-GB" sz="1500" dirty="0"/>
+          </a:p>
+        </p:txBody>
+      </p:sp>
+      <p:pic>
+        <p:nvPicPr>
+          <p:cNvPr id="4" name="Picture 3"/>
+          <p:cNvPicPr>
+            <a:picLocks noChangeAspect="1"/>
+          </p:cNvPicPr>
+          <p:nvPr/>
+        </p:nvPicPr>
+        <p:blipFill>
+          <a:blip r:embed="rId2">
+            <a:extLst>
+              <a:ext uri="{28A0092B-C50C-407E-A947-70E740481C1C}">
+                <a14:useLocalDpi xmlns:a14="http://schemas.microsoft.com/office/drawing/2010/main" val="0"/>
+              </a:ext>
+            </a:extLst>
+          </a:blip>
+          <a:stretch>
+            <a:fillRect/>
+          </a:stretch>
+        </p:blipFill>
+        <p:spPr>
+          <a:xfrm>
+            <a:off x="6372905" y="2064615"/>
+            <a:ext cx="2581275" cy="1809750"/>
+          </a:xfrm>
+          <a:prstGeom prst="rect">
+            <a:avLst/>
+          </a:prstGeom>
+        </p:spPr>
+      </p:pic>
+      <p:pic>
+        <p:nvPicPr>
+          <p:cNvPr id="5" name="Picture 4"/>
+          <p:cNvPicPr>
+            <a:picLocks noChangeAspect="1"/>
+          </p:cNvPicPr>
+          <p:nvPr/>
+        </p:nvPicPr>
+        <p:blipFill>
+          <a:blip r:embed="rId3">
+            <a:extLst>
+              <a:ext uri="{28A0092B-C50C-407E-A947-70E740481C1C}">
+                <a14:useLocalDpi xmlns:a14="http://schemas.microsoft.com/office/drawing/2010/main" val="0"/>
+              </a:ext>
+            </a:extLst>
+          </a:blip>
+          <a:stretch>
+            <a:fillRect/>
+          </a:stretch>
+        </p:blipFill>
+        <p:spPr>
+          <a:xfrm>
+            <a:off x="9466262" y="2064615"/>
+            <a:ext cx="2038350" cy="1809750"/>
+          </a:xfrm>
+          <a:prstGeom prst="rect">
+            <a:avLst/>
+          </a:prstGeom>
+        </p:spPr>
+      </p:pic>
+      <p:sp>
+        <p:nvSpPr>
+          <p:cNvPr id="6" name="TextBox 5"/>
+          <p:cNvSpPr txBox="1"/>
+          <p:nvPr/>
+        </p:nvSpPr>
+        <p:spPr>
+          <a:xfrm>
+            <a:off x="6372905" y="3855315"/>
+            <a:ext cx="2581275" cy="276999"/>
+          </a:xfrm>
+          <a:prstGeom prst="rect">
+            <a:avLst/>
+          </a:prstGeom>
+          <a:noFill/>
+        </p:spPr>
+        <p:txBody>
+          <a:bodyPr wrap="square" rtlCol="0">
+            <a:spAutoFit/>
+          </a:bodyPr>
+          <a:lstStyle/>
+          <a:p>
+            <a:pPr algn="ctr"/>
+            <a:r>
+              <a:rPr lang="en-GB" sz="1200" dirty="0" err="1" smtClean="0"/>
+              <a:t>Champandard</a:t>
+            </a:r>
+            <a:r>
+              <a:rPr lang="en-GB" sz="1200" dirty="0" smtClean="0"/>
+              <a:t>, A (2007) a.</a:t>
+            </a:r>
+            <a:endParaRPr lang="en-GB" sz="1200" dirty="0"/>
+          </a:p>
+        </p:txBody>
+      </p:sp>
+      <p:sp>
+        <p:nvSpPr>
+          <p:cNvPr id="7" name="TextBox 6"/>
+          <p:cNvSpPr txBox="1"/>
+          <p:nvPr/>
+        </p:nvSpPr>
+        <p:spPr>
+          <a:xfrm>
+            <a:off x="9194799" y="3855314"/>
+            <a:ext cx="2581275" cy="276999"/>
+          </a:xfrm>
+          <a:prstGeom prst="rect">
+            <a:avLst/>
+          </a:prstGeom>
+          <a:noFill/>
+        </p:spPr>
+        <p:txBody>
+          <a:bodyPr wrap="square" rtlCol="0">
+            <a:spAutoFit/>
+          </a:bodyPr>
+          <a:lstStyle/>
+          <a:p>
+            <a:pPr algn="ctr"/>
+            <a:r>
+              <a:rPr lang="en-GB" sz="1200" dirty="0" err="1" smtClean="0"/>
+              <a:t>Champandard</a:t>
+            </a:r>
+            <a:r>
+              <a:rPr lang="en-GB" sz="1200" dirty="0" smtClean="0"/>
+              <a:t>, A (2007) b.</a:t>
+            </a:r>
+            <a:endParaRPr lang="en-GB" sz="1200" dirty="0"/>
           </a:p>
         </p:txBody>
       </p:sp>
@@ -8568,6 +8770,13 @@
   <p:clrMapOvr>
     <a:masterClrMapping/>
   </p:clrMapOvr>
+  <p:timing>
+    <p:tnLst>
+      <p:par>
+        <p:cTn id="1" dur="indefinite" restart="never" nodeType="tmRoot"/>
+      </p:par>
+    </p:tnLst>
+  </p:timing>
 </p:sld>
 </file>
 
@@ -8673,6 +8882,13 @@
   <p:clrMapOvr>
     <a:masterClrMapping/>
   </p:clrMapOvr>
+  <p:timing>
+    <p:tnLst>
+      <p:par>
+        <p:cTn id="1" dur="indefinite" restart="never" nodeType="tmRoot"/>
+      </p:par>
+    </p:tnLst>
+  </p:timing>
 </p:sld>
 </file>
 
@@ -8693,6 +8909,36 @@
           <a:chExt cx="0" cy="0"/>
         </a:xfrm>
       </p:grpSpPr>
+      <p:pic>
+        <p:nvPicPr>
+          <p:cNvPr id="4" name="Picture 3"/>
+          <p:cNvPicPr>
+            <a:picLocks noChangeAspect="1"/>
+          </p:cNvPicPr>
+          <p:nvPr/>
+        </p:nvPicPr>
+        <p:blipFill>
+          <a:blip r:embed="rId2">
+            <a:extLst>
+              <a:ext uri="{28A0092B-C50C-407E-A947-70E740481C1C}">
+                <a14:useLocalDpi xmlns:a14="http://schemas.microsoft.com/office/drawing/2010/main" val="0"/>
+              </a:ext>
+            </a:extLst>
+          </a:blip>
+          <a:stretch>
+            <a:fillRect/>
+          </a:stretch>
+        </p:blipFill>
+        <p:spPr>
+          <a:xfrm>
+            <a:off x="7110035" y="4014652"/>
+            <a:ext cx="4119948" cy="2403566"/>
+          </a:xfrm>
+          <a:prstGeom prst="rect">
+            <a:avLst/>
+          </a:prstGeom>
+        </p:spPr>
+      </p:pic>
       <p:sp>
         <p:nvSpPr>
           <p:cNvPr id="2" name="Title 1">
@@ -8739,10 +8985,15 @@
             <p:ph idx="1"/>
           </p:nvPr>
         </p:nvSpPr>
-        <p:spPr/>
+        <p:spPr>
+          <a:xfrm>
+            <a:off x="947122" y="1668948"/>
+            <a:ext cx="6577084" cy="3777622"/>
+          </a:xfrm>
+        </p:spPr>
         <p:txBody>
           <a:bodyPr>
-            <a:normAutofit/>
+            <a:normAutofit fontScale="92500"/>
           </a:bodyPr>
           <a:lstStyle/>
           <a:p>
@@ -8788,6 +9039,36 @@
           </a:p>
         </p:txBody>
       </p:sp>
+      <p:pic>
+        <p:nvPicPr>
+          <p:cNvPr id="5" name="Picture 4"/>
+          <p:cNvPicPr>
+            <a:picLocks noChangeAspect="1"/>
+          </p:cNvPicPr>
+          <p:nvPr/>
+        </p:nvPicPr>
+        <p:blipFill>
+          <a:blip r:embed="rId3">
+            <a:extLst>
+              <a:ext uri="{28A0092B-C50C-407E-A947-70E740481C1C}">
+                <a14:useLocalDpi xmlns:a14="http://schemas.microsoft.com/office/drawing/2010/main" val="0"/>
+              </a:ext>
+            </a:extLst>
+          </a:blip>
+          <a:stretch>
+            <a:fillRect/>
+          </a:stretch>
+        </p:blipFill>
+        <p:spPr>
+          <a:xfrm>
+            <a:off x="7110035" y="1493424"/>
+            <a:ext cx="4119948" cy="2460267"/>
+          </a:xfrm>
+          <a:prstGeom prst="rect">
+            <a:avLst/>
+          </a:prstGeom>
+        </p:spPr>
+      </p:pic>
     </p:spTree>
     <p:extLst>
       <p:ext uri="{BB962C8B-B14F-4D97-AF65-F5344CB8AC3E}">
@@ -8798,6 +9079,13 @@
   <p:clrMapOvr>
     <a:masterClrMapping/>
   </p:clrMapOvr>
+  <p:timing>
+    <p:tnLst>
+      <p:par>
+        <p:cTn id="1" dur="indefinite" restart="never" nodeType="tmRoot"/>
+      </p:par>
+    </p:tnLst>
+  </p:timing>
 </p:sld>
 </file>
 
@@ -8909,6 +9197,13 @@
   <p:clrMapOvr>
     <a:masterClrMapping/>
   </p:clrMapOvr>
+  <p:timing>
+    <p:tnLst>
+      <p:par>
+        <p:cTn id="1" dur="indefinite" restart="never" nodeType="tmRoot"/>
+      </p:par>
+    </p:tnLst>
+  </p:timing>
 </p:sld>
 </file>
 
@@ -9033,6 +9328,13 @@
   <p:clrMapOvr>
     <a:masterClrMapping/>
   </p:clrMapOvr>
+  <p:timing>
+    <p:tnLst>
+      <p:par>
+        <p:cTn id="1" dur="indefinite" restart="never" nodeType="tmRoot"/>
+      </p:par>
+    </p:tnLst>
+  </p:timing>
 </p:sld>
 </file>
 
@@ -9108,8 +9410,19 @@
           <a:p>
             <a:r>
               <a:rPr lang="en-US" sz="3000" dirty="0"/>
-              <a:t>Update to hold more information</a:t>
-            </a:r>
+              <a:t>Update to hold more </a:t>
+            </a:r>
+            <a:r>
+              <a:rPr lang="en-US" sz="3000" dirty="0" smtClean="0"/>
+              <a:t>information</a:t>
+            </a:r>
+          </a:p>
+          <a:p>
+            <a:r>
+              <a:rPr lang="en-US" sz="3000" dirty="0" smtClean="0"/>
+              <a:t>Getter and Setter</a:t>
+            </a:r>
+            <a:endParaRPr lang="en-US" sz="3000" dirty="0"/>
           </a:p>
           <a:p>
             <a:r>
@@ -9118,9 +9431,9 @@
             </a:r>
           </a:p>
           <a:p>
-            <a:endParaRPr lang="en-US" sz="3000" dirty="0"/>
-          </a:p>
-          <a:p>
+            <a:pPr marL="0" indent="0">
+              <a:buNone/>
+            </a:pPr>
             <a:endParaRPr lang="en-US" dirty="0"/>
           </a:p>
           <a:p>
@@ -9156,6 +9469,13 @@
   <p:clrMapOvr>
     <a:masterClrMapping/>
   </p:clrMapOvr>
+  <p:timing>
+    <p:tnLst>
+      <p:par>
+        <p:cTn id="1" dur="indefinite" restart="never" nodeType="tmRoot"/>
+      </p:par>
+    </p:tnLst>
+  </p:timing>
 </p:sld>
 </file>
 

--- a/Documents/Presentation-1.pptx
+++ b/Documents/Presentation-1.pptx
@@ -7655,13 +7655,6 @@
   <p:clrMapOvr>
     <a:masterClrMapping/>
   </p:clrMapOvr>
-  <p:timing>
-    <p:tnLst>
-      <p:par>
-        <p:cTn id="1" dur="indefinite" restart="never" nodeType="tmRoot"/>
-      </p:par>
-    </p:tnLst>
-  </p:timing>
 </p:sld>
 </file>
 
@@ -7758,13 +7751,6 @@
   <p:clrMapOvr>
     <a:masterClrMapping/>
   </p:clrMapOvr>
-  <p:timing>
-    <p:tnLst>
-      <p:par>
-        <p:cTn id="1" dur="indefinite" restart="never" nodeType="tmRoot"/>
-      </p:par>
-    </p:tnLst>
-  </p:timing>
 </p:sld>
 </file>
 
@@ -7861,13 +7847,6 @@
   <p:clrMapOvr>
     <a:masterClrMapping/>
   </p:clrMapOvr>
-  <p:timing>
-    <p:tnLst>
-      <p:par>
-        <p:cTn id="1" dur="indefinite" restart="never" nodeType="tmRoot"/>
-      </p:par>
-    </p:tnLst>
-  </p:timing>
 </p:sld>
 </file>
 
@@ -7970,13 +7949,6 @@
   <p:clrMapOvr>
     <a:masterClrMapping/>
   </p:clrMapOvr>
-  <p:timing>
-    <p:tnLst>
-      <p:par>
-        <p:cTn id="1" dur="indefinite" restart="never" nodeType="tmRoot"/>
-      </p:par>
-    </p:tnLst>
-  </p:timing>
 </p:sld>
 </file>
 
@@ -8079,13 +8051,6 @@
   <p:clrMapOvr>
     <a:masterClrMapping/>
   </p:clrMapOvr>
-  <p:timing>
-    <p:tnLst>
-      <p:par>
-        <p:cTn id="1" dur="indefinite" restart="never" nodeType="tmRoot"/>
-      </p:par>
-    </p:tnLst>
-  </p:timing>
 </p:sld>
 </file>
 
@@ -8152,13 +8117,6 @@
   <p:clrMapOvr>
     <a:masterClrMapping/>
   </p:clrMapOvr>
-  <p:timing>
-    <p:tnLst>
-      <p:par>
-        <p:cTn id="1" dur="indefinite" restart="never" nodeType="tmRoot"/>
-      </p:par>
-    </p:tnLst>
-  </p:timing>
 </p:sld>
 </file>
 
@@ -8284,13 +8242,6 @@
   <p:clrMapOvr>
     <a:masterClrMapping/>
   </p:clrMapOvr>
-  <p:timing>
-    <p:tnLst>
-      <p:par>
-        <p:cTn id="1" dur="indefinite" restart="never" nodeType="tmRoot"/>
-      </p:par>
-    </p:tnLst>
-  </p:timing>
 </p:sld>
 </file>
 
@@ -8474,13 +8425,6 @@
   <p:clrMapOvr>
     <a:masterClrMapping/>
   </p:clrMapOvr>
-  <p:timing>
-    <p:tnLst>
-      <p:par>
-        <p:cTn id="1" dur="indefinite" restart="never" nodeType="tmRoot"/>
-      </p:par>
-    </p:tnLst>
-  </p:timing>
 </p:sld>
 </file>
 
@@ -8583,15 +8527,7 @@
             </a:pPr>
             <a:r>
               <a:rPr lang="en-US" sz="1500" dirty="0"/>
-              <a:t>Champandard, A. (2007</a:t>
-            </a:r>
-            <a:r>
-              <a:rPr lang="en-US" sz="1500" dirty="0" smtClean="0"/>
-              <a:t>) a.</a:t>
-            </a:r>
-            <a:r>
-              <a:rPr lang="en-US" sz="1500" dirty="0"/>
-              <a:t> </a:t>
+              <a:t>Champandard, A. (2007) a. </a:t>
             </a:r>
             <a:r>
               <a:rPr lang="en-US" sz="1500" i="1" dirty="0"/>
@@ -8608,15 +8544,7 @@
             </a:pPr>
             <a:r>
               <a:rPr lang="en-US" sz="1500" dirty="0"/>
-              <a:t>Champandard, A. (2007</a:t>
-            </a:r>
-            <a:r>
-              <a:rPr lang="en-US" sz="1500" dirty="0" smtClean="0"/>
-              <a:t>) b.</a:t>
-            </a:r>
-            <a:r>
-              <a:rPr lang="en-US" sz="1500" dirty="0"/>
-              <a:t> </a:t>
+              <a:t>Champandard, A. (2007) b. </a:t>
             </a:r>
             <a:r>
               <a:rPr lang="en-US" sz="1500" i="1" dirty="0"/>
@@ -8714,14 +8642,13 @@
           <a:p>
             <a:pPr algn="ctr"/>
             <a:r>
-              <a:rPr lang="en-GB" sz="1200" dirty="0" err="1" smtClean="0"/>
+              <a:rPr lang="en-GB" sz="1200" dirty="0" err="1"/>
               <a:t>Champandard</a:t>
             </a:r>
             <a:r>
-              <a:rPr lang="en-GB" sz="1200" dirty="0" smtClean="0"/>
+              <a:rPr lang="en-GB" sz="1200" dirty="0"/>
               <a:t>, A (2007) a.</a:t>
             </a:r>
-            <a:endParaRPr lang="en-GB" sz="1200" dirty="0"/>
           </a:p>
         </p:txBody>
       </p:sp>
@@ -8749,14 +8676,13 @@
           <a:p>
             <a:pPr algn="ctr"/>
             <a:r>
-              <a:rPr lang="en-GB" sz="1200" dirty="0" err="1" smtClean="0"/>
+              <a:rPr lang="en-GB" sz="1200" dirty="0" err="1"/>
               <a:t>Champandard</a:t>
             </a:r>
             <a:r>
-              <a:rPr lang="en-GB" sz="1200" dirty="0" smtClean="0"/>
+              <a:rPr lang="en-GB" sz="1200" dirty="0"/>
               <a:t>, A (2007) b.</a:t>
             </a:r>
-            <a:endParaRPr lang="en-GB" sz="1200" dirty="0"/>
           </a:p>
         </p:txBody>
       </p:sp>
@@ -8770,13 +8696,6 @@
   <p:clrMapOvr>
     <a:masterClrMapping/>
   </p:clrMapOvr>
-  <p:timing>
-    <p:tnLst>
-      <p:par>
-        <p:cTn id="1" dur="indefinite" restart="never" nodeType="tmRoot"/>
-      </p:par>
-    </p:tnLst>
-  </p:timing>
 </p:sld>
 </file>
 
@@ -8882,13 +8801,6 @@
   <p:clrMapOvr>
     <a:masterClrMapping/>
   </p:clrMapOvr>
-  <p:timing>
-    <p:tnLst>
-      <p:par>
-        <p:cTn id="1" dur="indefinite" restart="never" nodeType="tmRoot"/>
-      </p:par>
-    </p:tnLst>
-  </p:timing>
 </p:sld>
 </file>
 
@@ -9079,13 +8991,6 @@
   <p:clrMapOvr>
     <a:masterClrMapping/>
   </p:clrMapOvr>
-  <p:timing>
-    <p:tnLst>
-      <p:par>
-        <p:cTn id="1" dur="indefinite" restart="never" nodeType="tmRoot"/>
-      </p:par>
-    </p:tnLst>
-  </p:timing>
 </p:sld>
 </file>
 
@@ -9167,7 +9072,7 @@
           <a:p>
             <a:r>
               <a:rPr lang="en-GB" sz="3000" dirty="0"/>
-              <a:t>Update agent &amp; global blackboard blackboards</a:t>
+              <a:t>Update agent &amp; global blackboards</a:t>
             </a:r>
           </a:p>
           <a:p>
@@ -9197,13 +9102,6 @@
   <p:clrMapOvr>
     <a:masterClrMapping/>
   </p:clrMapOvr>
-  <p:timing>
-    <p:tnLst>
-      <p:par>
-        <p:cTn id="1" dur="indefinite" restart="never" nodeType="tmRoot"/>
-      </p:par>
-    </p:tnLst>
-  </p:timing>
 </p:sld>
 </file>
 
@@ -9328,13 +9226,6 @@
   <p:clrMapOvr>
     <a:masterClrMapping/>
   </p:clrMapOvr>
-  <p:timing>
-    <p:tnLst>
-      <p:par>
-        <p:cTn id="1" dur="indefinite" restart="never" nodeType="tmRoot"/>
-      </p:par>
-    </p:tnLst>
-  </p:timing>
 </p:sld>
 </file>
 
@@ -9410,19 +9301,14 @@
           <a:p>
             <a:r>
               <a:rPr lang="en-US" sz="3000" dirty="0"/>
-              <a:t>Update to hold more </a:t>
-            </a:r>
-            <a:r>
-              <a:rPr lang="en-US" sz="3000" dirty="0" smtClean="0"/>
-              <a:t>information</a:t>
-            </a:r>
-          </a:p>
-          <a:p>
-            <a:r>
-              <a:rPr lang="en-US" sz="3000" dirty="0" smtClean="0"/>
+              <a:t>Update to hold more information</a:t>
+            </a:r>
+          </a:p>
+          <a:p>
+            <a:r>
+              <a:rPr lang="en-US" sz="3000" dirty="0"/>
               <a:t>Getter and Setter</a:t>
             </a:r>
-            <a:endParaRPr lang="en-US" sz="3000" dirty="0"/>
           </a:p>
           <a:p>
             <a:r>
@@ -9469,13 +9355,6 @@
   <p:clrMapOvr>
     <a:masterClrMapping/>
   </p:clrMapOvr>
-  <p:timing>
-    <p:tnLst>
-      <p:par>
-        <p:cTn id="1" dur="indefinite" restart="never" nodeType="tmRoot"/>
-      </p:par>
-    </p:tnLst>
-  </p:timing>
 </p:sld>
 </file>
 
